--- a/pptx_res/Основы геометрии.pptx
+++ b/pptx_res/Основы геометрии.pptx
@@ -2,7 +2,7 @@
 <file path=ppt/presentation.xml><?xml version="1.0" encoding="utf-8"?>
 <p:presentation xmlns:a="http://schemas.openxmlformats.org/drawingml/2006/main" xmlns:r="http://schemas.openxmlformats.org/officeDocument/2006/relationships" xmlns:p="http://schemas.openxmlformats.org/presentationml/2006/main" showSpecialPlsOnTitleSld="0" saveSubsetFonts="1">
   <p:sldMasterIdLst>
-    <p:sldMasterId id="2147483673" r:id="rId1"/>
+    <p:sldMasterId id="2147483686" r:id="rId1"/>
   </p:sldMasterIdLst>
   <p:notesMasterIdLst>
     <p:notesMasterId r:id="rId24"/>
@@ -3680,7 +3680,7 @@
           <a:p>
             <a:fld id="{4A6A6771-EB0B-437B-A8F2-CAD5FDB45FC2}" type="datetimeFigureOut">
               <a:rPr lang="ru-RU" smtClean="0"/>
-              <a:t>01.06.2017</a:t>
+              <a:t>21.07.2017</a:t>
             </a:fld>
             <a:endParaRPr lang="ru-RU"/>
           </a:p>
@@ -3965,30 +3965,6 @@
           <a:chExt cx="0" cy="0"/>
         </a:xfrm>
       </p:grpSpPr>
-      <p:pic>
-        <p:nvPicPr>
-          <p:cNvPr id="11" name="Рисунок 10"/>
-          <p:cNvPicPr>
-            <a:picLocks noChangeAspect="1"/>
-          </p:cNvPicPr>
-          <p:nvPr/>
-        </p:nvPicPr>
-        <p:blipFill>
-          <a:blip r:embed="rId2"/>
-          <a:stretch>
-            <a:fillRect/>
-          </a:stretch>
-        </p:blipFill>
-        <p:spPr>
-          <a:xfrm>
-            <a:off x="8639175" y="142875"/>
-            <a:ext cx="3413506" cy="3390900"/>
-          </a:xfrm>
-          <a:prstGeom prst="rect">
-            <a:avLst/>
-          </a:prstGeom>
-        </p:spPr>
-      </p:pic>
       <p:sp>
         <p:nvSpPr>
           <p:cNvPr id="7" name="Rectangle 6"/>
@@ -4198,7 +4174,1194 @@
           <a:p>
             <a:fld id="{105CD544-7B9D-482C-AE44-CB49A9DE124A}" type="datetime1">
               <a:rPr lang="ru-RU" smtClean="0"/>
-              <a:t>01.06.2017</a:t>
+              <a:t>21.07.2017</a:t>
+            </a:fld>
+            <a:endParaRPr lang="ru-RU"/>
+          </a:p>
+        </p:txBody>
+      </p:sp>
+      <p:sp>
+        <p:nvSpPr>
+          <p:cNvPr id="5" name="Footer Placeholder 4"/>
+          <p:cNvSpPr>
+            <a:spLocks noGrp="1"/>
+          </p:cNvSpPr>
+          <p:nvPr>
+            <p:ph type="ftr" sz="quarter" idx="11"/>
+          </p:nvPr>
+        </p:nvSpPr>
+        <p:spPr/>
+        <p:txBody>
+          <a:bodyPr/>
+          <a:lstStyle/>
+          <a:p>
+            <a:r>
+              <a:rPr lang="ru-RU" smtClean="0"/>
+              <a:t>Кафедра 24. "Компьютерный практикум по прикладной ядерной физике: Geant4"</a:t>
+            </a:r>
+            <a:endParaRPr lang="ru-RU"/>
+          </a:p>
+        </p:txBody>
+      </p:sp>
+      <p:sp>
+        <p:nvSpPr>
+          <p:cNvPr id="6" name="Slide Number Placeholder 5"/>
+          <p:cNvSpPr>
+            <a:spLocks noGrp="1"/>
+          </p:cNvSpPr>
+          <p:nvPr>
+            <p:ph type="sldNum" sz="quarter" idx="12"/>
+          </p:nvPr>
+        </p:nvSpPr>
+        <p:spPr/>
+        <p:txBody>
+          <a:bodyPr/>
+          <a:lstStyle/>
+          <a:p>
+            <a:fld id="{674EE669-D11C-4069-A284-7FF13B82A48E}" type="slidenum">
+              <a:rPr lang="ru-RU" smtClean="0"/>
+              <a:t>‹#›</a:t>
+            </a:fld>
+            <a:endParaRPr lang="ru-RU"/>
+          </a:p>
+        </p:txBody>
+      </p:sp>
+      <p:cxnSp>
+        <p:nvCxnSpPr>
+          <p:cNvPr id="9" name="Straight Connector 8"/>
+          <p:cNvCxnSpPr/>
+          <p:nvPr/>
+        </p:nvCxnSpPr>
+        <p:spPr>
+          <a:xfrm>
+            <a:off x="1207659" y="4343400"/>
+            <a:ext cx="9875520" cy="0"/>
+          </a:xfrm>
+          <a:prstGeom prst="line">
+            <a:avLst/>
+          </a:prstGeom>
+          <a:ln w="6350">
+            <a:solidFill>
+              <a:schemeClr val="tx1">
+                <a:lumMod val="50000"/>
+                <a:lumOff val="50000"/>
+              </a:schemeClr>
+            </a:solidFill>
+          </a:ln>
+        </p:spPr>
+        <p:style>
+          <a:lnRef idx="1">
+            <a:schemeClr val="accent1"/>
+          </a:lnRef>
+          <a:fillRef idx="0">
+            <a:schemeClr val="accent1"/>
+          </a:fillRef>
+          <a:effectRef idx="0">
+            <a:schemeClr val="accent1"/>
+          </a:effectRef>
+          <a:fontRef idx="minor">
+            <a:schemeClr val="tx1"/>
+          </a:fontRef>
+        </p:style>
+      </p:cxnSp>
+      <p:pic>
+        <p:nvPicPr>
+          <p:cNvPr id="16" name="Рисунок 15"/>
+          <p:cNvPicPr>
+            <a:picLocks noChangeAspect="1"/>
+          </p:cNvPicPr>
+          <p:nvPr/>
+        </p:nvPicPr>
+        <p:blipFill>
+          <a:blip r:embed="rId2" cstate="print">
+            <a:extLst>
+              <a:ext uri="{28A0092B-C50C-407E-A947-70E740481C1C}">
+                <a14:useLocalDpi xmlns:a14="http://schemas.microsoft.com/office/drawing/2010/main" val="0"/>
+              </a:ext>
+            </a:extLst>
+          </a:blip>
+          <a:stretch>
+            <a:fillRect/>
+          </a:stretch>
+        </p:blipFill>
+        <p:spPr>
+          <a:xfrm>
+            <a:off x="8659123" y="123842"/>
+            <a:ext cx="3529720" cy="3596084"/>
+          </a:xfrm>
+          <a:prstGeom prst="rect">
+            <a:avLst/>
+          </a:prstGeom>
+        </p:spPr>
+      </p:pic>
+    </p:spTree>
+    <p:extLst>
+      <p:ext uri="{BB962C8B-B14F-4D97-AF65-F5344CB8AC3E}">
+        <p14:creationId xmlns:p14="http://schemas.microsoft.com/office/powerpoint/2010/main" val="2336192635"/>
+      </p:ext>
+    </p:extLst>
+  </p:cSld>
+  <p:clrMapOvr>
+    <a:masterClrMapping/>
+  </p:clrMapOvr>
+</p:sldLayout>
+</file>
+
+<file path=ppt/slideLayouts/slideLayout10.xml><?xml version="1.0" encoding="utf-8"?>
+<p:sldLayout xmlns:a="http://schemas.openxmlformats.org/drawingml/2006/main" xmlns:r="http://schemas.openxmlformats.org/officeDocument/2006/relationships" xmlns:p="http://schemas.openxmlformats.org/presentationml/2006/main" type="vertTx" preserve="1">
+  <p:cSld name="Заголовок и вертикальный текст">
+    <p:spTree>
+      <p:nvGrpSpPr>
+        <p:cNvPr id="1" name=""/>
+        <p:cNvGrpSpPr/>
+        <p:nvPr/>
+      </p:nvGrpSpPr>
+      <p:grpSpPr>
+        <a:xfrm>
+          <a:off x="0" y="0"/>
+          <a:ext cx="0" cy="0"/>
+          <a:chOff x="0" y="0"/>
+          <a:chExt cx="0" cy="0"/>
+        </a:xfrm>
+      </p:grpSpPr>
+      <p:sp>
+        <p:nvSpPr>
+          <p:cNvPr id="2" name="Title 1"/>
+          <p:cNvSpPr>
+            <a:spLocks noGrp="1"/>
+          </p:cNvSpPr>
+          <p:nvPr>
+            <p:ph type="title"/>
+          </p:nvPr>
+        </p:nvSpPr>
+        <p:spPr/>
+        <p:txBody>
+          <a:bodyPr/>
+          <a:lstStyle/>
+          <a:p>
+            <a:r>
+              <a:rPr lang="ru-RU" smtClean="0"/>
+              <a:t>Образец заголовка</a:t>
+            </a:r>
+            <a:endParaRPr lang="en-US" dirty="0"/>
+          </a:p>
+        </p:txBody>
+      </p:sp>
+      <p:sp>
+        <p:nvSpPr>
+          <p:cNvPr id="3" name="Vertical Text Placeholder 2"/>
+          <p:cNvSpPr>
+            <a:spLocks noGrp="1"/>
+          </p:cNvSpPr>
+          <p:nvPr>
+            <p:ph type="body" orient="vert" idx="1"/>
+          </p:nvPr>
+        </p:nvSpPr>
+        <p:spPr/>
+        <p:txBody>
+          <a:bodyPr vert="eaVert" lIns="45720" tIns="0" rIns="45720" bIns="0"/>
+          <a:lstStyle/>
+          <a:p>
+            <a:pPr lvl="0"/>
+            <a:r>
+              <a:rPr lang="ru-RU" smtClean="0"/>
+              <a:t>Образец текста</a:t>
+            </a:r>
+          </a:p>
+          <a:p>
+            <a:pPr lvl="1"/>
+            <a:r>
+              <a:rPr lang="ru-RU" smtClean="0"/>
+              <a:t>Второй уровень</a:t>
+            </a:r>
+          </a:p>
+          <a:p>
+            <a:pPr lvl="2"/>
+            <a:r>
+              <a:rPr lang="ru-RU" smtClean="0"/>
+              <a:t>Третий уровень</a:t>
+            </a:r>
+          </a:p>
+          <a:p>
+            <a:pPr lvl="3"/>
+            <a:r>
+              <a:rPr lang="ru-RU" smtClean="0"/>
+              <a:t>Четвертый уровень</a:t>
+            </a:r>
+          </a:p>
+          <a:p>
+            <a:pPr lvl="4"/>
+            <a:r>
+              <a:rPr lang="ru-RU" smtClean="0"/>
+              <a:t>Пятый уровень</a:t>
+            </a:r>
+            <a:endParaRPr lang="en-US" dirty="0"/>
+          </a:p>
+        </p:txBody>
+      </p:sp>
+      <p:sp>
+        <p:nvSpPr>
+          <p:cNvPr id="4" name="Date Placeholder 3"/>
+          <p:cNvSpPr>
+            <a:spLocks noGrp="1"/>
+          </p:cNvSpPr>
+          <p:nvPr>
+            <p:ph type="dt" sz="half" idx="10"/>
+          </p:nvPr>
+        </p:nvSpPr>
+        <p:spPr/>
+        <p:txBody>
+          <a:bodyPr/>
+          <a:lstStyle/>
+          <a:p>
+            <a:fld id="{6E91351F-2BB5-4362-A4E0-AD957AF6AD45}" type="datetime1">
+              <a:rPr lang="ru-RU" smtClean="0"/>
+              <a:t>21.07.2017</a:t>
+            </a:fld>
+            <a:endParaRPr lang="ru-RU"/>
+          </a:p>
+        </p:txBody>
+      </p:sp>
+      <p:sp>
+        <p:nvSpPr>
+          <p:cNvPr id="5" name="Footer Placeholder 4"/>
+          <p:cNvSpPr>
+            <a:spLocks noGrp="1"/>
+          </p:cNvSpPr>
+          <p:nvPr>
+            <p:ph type="ftr" sz="quarter" idx="11"/>
+          </p:nvPr>
+        </p:nvSpPr>
+        <p:spPr/>
+        <p:txBody>
+          <a:bodyPr/>
+          <a:lstStyle/>
+          <a:p>
+            <a:r>
+              <a:rPr lang="ru-RU" smtClean="0"/>
+              <a:t>Кафедра 24. "Компьютерный практикум по прикладной ядерной физике: Geant4"</a:t>
+            </a:r>
+            <a:endParaRPr lang="ru-RU"/>
+          </a:p>
+        </p:txBody>
+      </p:sp>
+      <p:sp>
+        <p:nvSpPr>
+          <p:cNvPr id="6" name="Slide Number Placeholder 5"/>
+          <p:cNvSpPr>
+            <a:spLocks noGrp="1"/>
+          </p:cNvSpPr>
+          <p:nvPr>
+            <p:ph type="sldNum" sz="quarter" idx="12"/>
+          </p:nvPr>
+        </p:nvSpPr>
+        <p:spPr/>
+        <p:txBody>
+          <a:bodyPr/>
+          <a:lstStyle/>
+          <a:p>
+            <a:fld id="{674EE669-D11C-4069-A284-7FF13B82A48E}" type="slidenum">
+              <a:rPr lang="ru-RU" smtClean="0"/>
+              <a:t>‹#›</a:t>
+            </a:fld>
+            <a:endParaRPr lang="ru-RU"/>
+          </a:p>
+        </p:txBody>
+      </p:sp>
+    </p:spTree>
+    <p:extLst>
+      <p:ext uri="{BB962C8B-B14F-4D97-AF65-F5344CB8AC3E}">
+        <p14:creationId xmlns:p14="http://schemas.microsoft.com/office/powerpoint/2010/main" val="1794379149"/>
+      </p:ext>
+    </p:extLst>
+  </p:cSld>
+  <p:clrMapOvr>
+    <a:masterClrMapping/>
+  </p:clrMapOvr>
+</p:sldLayout>
+</file>
+
+<file path=ppt/slideLayouts/slideLayout11.xml><?xml version="1.0" encoding="utf-8"?>
+<p:sldLayout xmlns:a="http://schemas.openxmlformats.org/drawingml/2006/main" xmlns:r="http://schemas.openxmlformats.org/officeDocument/2006/relationships" xmlns:p="http://schemas.openxmlformats.org/presentationml/2006/main" showMasterSp="0" type="vertTitleAndTx" preserve="1">
+  <p:cSld name="Вертикальный заголовок и текст">
+    <p:spTree>
+      <p:nvGrpSpPr>
+        <p:cNvPr id="1" name=""/>
+        <p:cNvGrpSpPr/>
+        <p:nvPr/>
+      </p:nvGrpSpPr>
+      <p:grpSpPr>
+        <a:xfrm>
+          <a:off x="0" y="0"/>
+          <a:ext cx="0" cy="0"/>
+          <a:chOff x="0" y="0"/>
+          <a:chExt cx="0" cy="0"/>
+        </a:xfrm>
+      </p:grpSpPr>
+      <p:sp>
+        <p:nvSpPr>
+          <p:cNvPr id="7" name="Rectangle 6"/>
+          <p:cNvSpPr/>
+          <p:nvPr/>
+        </p:nvSpPr>
+        <p:spPr>
+          <a:xfrm>
+            <a:off x="3177" y="6400800"/>
+            <a:ext cx="12188825" cy="457200"/>
+          </a:xfrm>
+          <a:prstGeom prst="rect">
+            <a:avLst/>
+          </a:prstGeom>
+          <a:solidFill>
+            <a:schemeClr val="accent2"/>
+          </a:solidFill>
+          <a:ln>
+            <a:noFill/>
+          </a:ln>
+        </p:spPr>
+        <p:style>
+          <a:lnRef idx="2">
+            <a:schemeClr val="accent1">
+              <a:shade val="50000"/>
+            </a:schemeClr>
+          </a:lnRef>
+          <a:fillRef idx="1">
+            <a:schemeClr val="accent1"/>
+          </a:fillRef>
+          <a:effectRef idx="0">
+            <a:schemeClr val="accent1"/>
+          </a:effectRef>
+          <a:fontRef idx="minor">
+            <a:schemeClr val="lt1"/>
+          </a:fontRef>
+        </p:style>
+      </p:sp>
+      <p:sp>
+        <p:nvSpPr>
+          <p:cNvPr id="8" name="Rectangle 7"/>
+          <p:cNvSpPr/>
+          <p:nvPr/>
+        </p:nvSpPr>
+        <p:spPr>
+          <a:xfrm>
+            <a:off x="17" y="6334316"/>
+            <a:ext cx="12188825" cy="64008"/>
+          </a:xfrm>
+          <a:prstGeom prst="rect">
+            <a:avLst/>
+          </a:prstGeom>
+          <a:solidFill>
+            <a:schemeClr val="accent1"/>
+          </a:solidFill>
+          <a:ln>
+            <a:noFill/>
+          </a:ln>
+        </p:spPr>
+        <p:style>
+          <a:lnRef idx="2">
+            <a:schemeClr val="accent1">
+              <a:shade val="50000"/>
+            </a:schemeClr>
+          </a:lnRef>
+          <a:fillRef idx="1">
+            <a:schemeClr val="accent1"/>
+          </a:fillRef>
+          <a:effectRef idx="0">
+            <a:schemeClr val="accent1"/>
+          </a:effectRef>
+          <a:fontRef idx="minor">
+            <a:schemeClr val="lt1"/>
+          </a:fontRef>
+        </p:style>
+      </p:sp>
+      <p:sp>
+        <p:nvSpPr>
+          <p:cNvPr id="2" name="Vertical Title 1"/>
+          <p:cNvSpPr>
+            <a:spLocks noGrp="1"/>
+          </p:cNvSpPr>
+          <p:nvPr>
+            <p:ph type="title" orient="vert"/>
+          </p:nvPr>
+        </p:nvSpPr>
+        <p:spPr>
+          <a:xfrm>
+            <a:off x="8724902" y="412303"/>
+            <a:ext cx="2628900" cy="5759898"/>
+          </a:xfrm>
+        </p:spPr>
+        <p:txBody>
+          <a:bodyPr vert="eaVert"/>
+          <a:lstStyle/>
+          <a:p>
+            <a:r>
+              <a:rPr lang="ru-RU" smtClean="0"/>
+              <a:t>Образец заголовка</a:t>
+            </a:r>
+            <a:endParaRPr lang="en-US" dirty="0"/>
+          </a:p>
+        </p:txBody>
+      </p:sp>
+      <p:sp>
+        <p:nvSpPr>
+          <p:cNvPr id="3" name="Vertical Text Placeholder 2"/>
+          <p:cNvSpPr>
+            <a:spLocks noGrp="1"/>
+          </p:cNvSpPr>
+          <p:nvPr>
+            <p:ph type="body" orient="vert" idx="1"/>
+          </p:nvPr>
+        </p:nvSpPr>
+        <p:spPr>
+          <a:xfrm>
+            <a:off x="838201" y="412303"/>
+            <a:ext cx="7734299" cy="5759898"/>
+          </a:xfrm>
+        </p:spPr>
+        <p:txBody>
+          <a:bodyPr vert="eaVert" lIns="45720" tIns="0" rIns="45720" bIns="0"/>
+          <a:lstStyle/>
+          <a:p>
+            <a:pPr lvl="0"/>
+            <a:r>
+              <a:rPr lang="ru-RU" smtClean="0"/>
+              <a:t>Образец текста</a:t>
+            </a:r>
+          </a:p>
+          <a:p>
+            <a:pPr lvl="1"/>
+            <a:r>
+              <a:rPr lang="ru-RU" smtClean="0"/>
+              <a:t>Второй уровень</a:t>
+            </a:r>
+          </a:p>
+          <a:p>
+            <a:pPr lvl="2"/>
+            <a:r>
+              <a:rPr lang="ru-RU" smtClean="0"/>
+              <a:t>Третий уровень</a:t>
+            </a:r>
+          </a:p>
+          <a:p>
+            <a:pPr lvl="3"/>
+            <a:r>
+              <a:rPr lang="ru-RU" smtClean="0"/>
+              <a:t>Четвертый уровень</a:t>
+            </a:r>
+          </a:p>
+          <a:p>
+            <a:pPr lvl="4"/>
+            <a:r>
+              <a:rPr lang="ru-RU" smtClean="0"/>
+              <a:t>Пятый уровень</a:t>
+            </a:r>
+            <a:endParaRPr lang="en-US" dirty="0"/>
+          </a:p>
+        </p:txBody>
+      </p:sp>
+      <p:sp>
+        <p:nvSpPr>
+          <p:cNvPr id="4" name="Date Placeholder 3"/>
+          <p:cNvSpPr>
+            <a:spLocks noGrp="1"/>
+          </p:cNvSpPr>
+          <p:nvPr>
+            <p:ph type="dt" sz="half" idx="10"/>
+          </p:nvPr>
+        </p:nvSpPr>
+        <p:spPr/>
+        <p:txBody>
+          <a:bodyPr/>
+          <a:lstStyle/>
+          <a:p>
+            <a:fld id="{60666FDD-34A4-46F3-927B-BACEF901582B}" type="datetime1">
+              <a:rPr lang="ru-RU" smtClean="0"/>
+              <a:t>21.07.2017</a:t>
+            </a:fld>
+            <a:endParaRPr lang="ru-RU"/>
+          </a:p>
+        </p:txBody>
+      </p:sp>
+      <p:sp>
+        <p:nvSpPr>
+          <p:cNvPr id="5" name="Footer Placeholder 4"/>
+          <p:cNvSpPr>
+            <a:spLocks noGrp="1"/>
+          </p:cNvSpPr>
+          <p:nvPr>
+            <p:ph type="ftr" sz="quarter" idx="11"/>
+          </p:nvPr>
+        </p:nvSpPr>
+        <p:spPr/>
+        <p:txBody>
+          <a:bodyPr/>
+          <a:lstStyle/>
+          <a:p>
+            <a:r>
+              <a:rPr lang="ru-RU" smtClean="0"/>
+              <a:t>Кафедра 24. "Компьютерный практикум по прикладной ядерной физике: Geant4"</a:t>
+            </a:r>
+            <a:endParaRPr lang="ru-RU"/>
+          </a:p>
+        </p:txBody>
+      </p:sp>
+      <p:sp>
+        <p:nvSpPr>
+          <p:cNvPr id="6" name="Slide Number Placeholder 5"/>
+          <p:cNvSpPr>
+            <a:spLocks noGrp="1"/>
+          </p:cNvSpPr>
+          <p:nvPr>
+            <p:ph type="sldNum" sz="quarter" idx="12"/>
+          </p:nvPr>
+        </p:nvSpPr>
+        <p:spPr/>
+        <p:txBody>
+          <a:bodyPr/>
+          <a:lstStyle/>
+          <a:p>
+            <a:fld id="{674EE669-D11C-4069-A284-7FF13B82A48E}" type="slidenum">
+              <a:rPr lang="ru-RU" smtClean="0"/>
+              <a:t>‹#›</a:t>
+            </a:fld>
+            <a:endParaRPr lang="ru-RU"/>
+          </a:p>
+        </p:txBody>
+      </p:sp>
+    </p:spTree>
+    <p:extLst>
+      <p:ext uri="{BB962C8B-B14F-4D97-AF65-F5344CB8AC3E}">
+        <p14:creationId xmlns:p14="http://schemas.microsoft.com/office/powerpoint/2010/main" val="4003355235"/>
+      </p:ext>
+    </p:extLst>
+  </p:cSld>
+  <p:clrMapOvr>
+    <a:masterClrMapping/>
+  </p:clrMapOvr>
+</p:sldLayout>
+</file>
+
+<file path=ppt/slideLayouts/slideLayout12.xml><?xml version="1.0" encoding="utf-8"?>
+<p:sldLayout xmlns:a="http://schemas.openxmlformats.org/drawingml/2006/main" xmlns:r="http://schemas.openxmlformats.org/officeDocument/2006/relationships" xmlns:p="http://schemas.openxmlformats.org/presentationml/2006/main" type="tx">
+  <p:cSld name="1_Титульный слайд">
+    <p:spTree>
+      <p:nvGrpSpPr>
+        <p:cNvPr id="1" name=""/>
+        <p:cNvGrpSpPr/>
+        <p:nvPr/>
+      </p:nvGrpSpPr>
+      <p:grpSpPr>
+        <a:xfrm>
+          <a:off x="0" y="0"/>
+          <a:ext cx="0" cy="0"/>
+          <a:chOff x="0" y="0"/>
+          <a:chExt cx="0" cy="0"/>
+        </a:xfrm>
+      </p:grpSpPr>
+      <p:sp>
+        <p:nvSpPr>
+          <p:cNvPr id="5" name="PlaceHolder 1"/>
+          <p:cNvSpPr>
+            <a:spLocks noGrp="1"/>
+          </p:cNvSpPr>
+          <p:nvPr>
+            <p:ph type="title"/>
+          </p:nvPr>
+        </p:nvSpPr>
+        <p:spPr>
+          <a:xfrm>
+            <a:off x="609562" y="273352"/>
+            <a:ext cx="10971684" cy="1145009"/>
+          </a:xfrm>
+          <a:prstGeom prst="rect">
+            <a:avLst/>
+          </a:prstGeom>
+        </p:spPr>
+        <p:txBody>
+          <a:bodyPr lIns="0" tIns="0" rIns="0" bIns="0" anchor="ctr"/>
+          <a:lstStyle/>
+          <a:p>
+            <a:pPr algn="ctr"/>
+            <a:r>
+              <a:rPr lang="ru-RU" sz="3992" b="0" strike="noStrike" spc="-1" smtClean="0">
+                <a:solidFill>
+                  <a:srgbClr val="000000"/>
+                </a:solidFill>
+                <a:uFill>
+                  <a:solidFill>
+                    <a:srgbClr val="FFFFFF"/>
+                  </a:solidFill>
+                </a:uFill>
+                <a:latin typeface="Arial"/>
+              </a:rPr>
+              <a:t>Образец заголовка</a:t>
+            </a:r>
+            <a:endParaRPr lang="ru-RU" sz="3992" b="0" strike="noStrike" spc="-1">
+              <a:solidFill>
+                <a:srgbClr val="000000"/>
+              </a:solidFill>
+              <a:uFill>
+                <a:solidFill>
+                  <a:srgbClr val="FFFFFF"/>
+                </a:solidFill>
+              </a:uFill>
+              <a:latin typeface="Arial"/>
+            </a:endParaRPr>
+          </a:p>
+        </p:txBody>
+      </p:sp>
+      <p:sp>
+        <p:nvSpPr>
+          <p:cNvPr id="6" name="PlaceHolder 2"/>
+          <p:cNvSpPr>
+            <a:spLocks noGrp="1"/>
+          </p:cNvSpPr>
+          <p:nvPr>
+            <p:ph type="subTitle"/>
+          </p:nvPr>
+        </p:nvSpPr>
+        <p:spPr>
+          <a:xfrm>
+            <a:off x="609562" y="1604841"/>
+            <a:ext cx="10971684" cy="3977484"/>
+          </a:xfrm>
+          <a:prstGeom prst="rect">
+            <a:avLst/>
+          </a:prstGeom>
+        </p:spPr>
+        <p:txBody>
+          <a:bodyPr lIns="0" tIns="0" rIns="0" bIns="0" anchor="ctr"/>
+          <a:lstStyle/>
+          <a:p>
+            <a:pPr algn="ctr"/>
+            <a:r>
+              <a:rPr lang="ru-RU" sz="2903" b="0" strike="noStrike" spc="-1" smtClean="0">
+                <a:solidFill>
+                  <a:srgbClr val="000000"/>
+                </a:solidFill>
+                <a:uFill>
+                  <a:solidFill>
+                    <a:srgbClr val="FFFFFF"/>
+                  </a:solidFill>
+                </a:uFill>
+                <a:latin typeface="Arial"/>
+              </a:rPr>
+              <a:t>Образец подзаголовка</a:t>
+            </a:r>
+            <a:endParaRPr lang="ru-RU" sz="2903" b="0" strike="noStrike" spc="-1">
+              <a:solidFill>
+                <a:srgbClr val="000000"/>
+              </a:solidFill>
+              <a:uFill>
+                <a:solidFill>
+                  <a:srgbClr val="FFFFFF"/>
+                </a:solidFill>
+              </a:uFill>
+              <a:latin typeface="Arial"/>
+            </a:endParaRPr>
+          </a:p>
+        </p:txBody>
+      </p:sp>
+    </p:spTree>
+    <p:extLst>
+      <p:ext uri="{BB962C8B-B14F-4D97-AF65-F5344CB8AC3E}">
+        <p14:creationId xmlns:p14="http://schemas.microsoft.com/office/powerpoint/2010/main" val="3016170693"/>
+      </p:ext>
+    </p:extLst>
+  </p:cSld>
+  <p:clrMapOvr>
+    <a:masterClrMapping/>
+  </p:clrMapOvr>
+</p:sldLayout>
+</file>
+
+<file path=ppt/slideLayouts/slideLayout2.xml><?xml version="1.0" encoding="utf-8"?>
+<p:sldLayout xmlns:a="http://schemas.openxmlformats.org/drawingml/2006/main" xmlns:r="http://schemas.openxmlformats.org/officeDocument/2006/relationships" xmlns:p="http://schemas.openxmlformats.org/presentationml/2006/main" type="obj" preserve="1">
+  <p:cSld name="Заголовок и объект">
+    <p:spTree>
+      <p:nvGrpSpPr>
+        <p:cNvPr id="1" name=""/>
+        <p:cNvGrpSpPr/>
+        <p:nvPr/>
+      </p:nvGrpSpPr>
+      <p:grpSpPr>
+        <a:xfrm>
+          <a:off x="0" y="0"/>
+          <a:ext cx="0" cy="0"/>
+          <a:chOff x="0" y="0"/>
+          <a:chExt cx="0" cy="0"/>
+        </a:xfrm>
+      </p:grpSpPr>
+      <p:sp>
+        <p:nvSpPr>
+          <p:cNvPr id="2" name="Title 1"/>
+          <p:cNvSpPr>
+            <a:spLocks noGrp="1"/>
+          </p:cNvSpPr>
+          <p:nvPr>
+            <p:ph type="title"/>
+          </p:nvPr>
+        </p:nvSpPr>
+        <p:spPr/>
+        <p:txBody>
+          <a:bodyPr/>
+          <a:lstStyle/>
+          <a:p>
+            <a:r>
+              <a:rPr lang="ru-RU" smtClean="0"/>
+              <a:t>Образец заголовка</a:t>
+            </a:r>
+            <a:endParaRPr lang="en-US" dirty="0"/>
+          </a:p>
+        </p:txBody>
+      </p:sp>
+      <p:sp>
+        <p:nvSpPr>
+          <p:cNvPr id="3" name="Content Placeholder 2"/>
+          <p:cNvSpPr>
+            <a:spLocks noGrp="1"/>
+          </p:cNvSpPr>
+          <p:nvPr>
+            <p:ph idx="1"/>
+          </p:nvPr>
+        </p:nvSpPr>
+        <p:spPr/>
+        <p:txBody>
+          <a:bodyPr/>
+          <a:lstStyle/>
+          <a:p>
+            <a:pPr lvl="0"/>
+            <a:r>
+              <a:rPr lang="ru-RU" smtClean="0"/>
+              <a:t>Образец текста</a:t>
+            </a:r>
+          </a:p>
+          <a:p>
+            <a:pPr lvl="1"/>
+            <a:r>
+              <a:rPr lang="ru-RU" smtClean="0"/>
+              <a:t>Второй уровень</a:t>
+            </a:r>
+          </a:p>
+          <a:p>
+            <a:pPr lvl="2"/>
+            <a:r>
+              <a:rPr lang="ru-RU" smtClean="0"/>
+              <a:t>Третий уровень</a:t>
+            </a:r>
+          </a:p>
+          <a:p>
+            <a:pPr lvl="3"/>
+            <a:r>
+              <a:rPr lang="ru-RU" smtClean="0"/>
+              <a:t>Четвертый уровень</a:t>
+            </a:r>
+          </a:p>
+          <a:p>
+            <a:pPr lvl="4"/>
+            <a:r>
+              <a:rPr lang="ru-RU" smtClean="0"/>
+              <a:t>Пятый уровень</a:t>
+            </a:r>
+            <a:endParaRPr lang="en-US" dirty="0"/>
+          </a:p>
+        </p:txBody>
+      </p:sp>
+      <p:sp>
+        <p:nvSpPr>
+          <p:cNvPr id="4" name="Date Placeholder 3"/>
+          <p:cNvSpPr>
+            <a:spLocks noGrp="1"/>
+          </p:cNvSpPr>
+          <p:nvPr>
+            <p:ph type="dt" sz="half" idx="10"/>
+          </p:nvPr>
+        </p:nvSpPr>
+        <p:spPr/>
+        <p:txBody>
+          <a:bodyPr/>
+          <a:lstStyle/>
+          <a:p>
+            <a:fld id="{30E90D65-CF34-4D7B-9942-CFD996BB5E67}" type="datetime1">
+              <a:rPr lang="ru-RU" smtClean="0"/>
+              <a:t>21.07.2017</a:t>
+            </a:fld>
+            <a:endParaRPr lang="ru-RU"/>
+          </a:p>
+        </p:txBody>
+      </p:sp>
+      <p:sp>
+        <p:nvSpPr>
+          <p:cNvPr id="5" name="Footer Placeholder 4"/>
+          <p:cNvSpPr>
+            <a:spLocks noGrp="1"/>
+          </p:cNvSpPr>
+          <p:nvPr>
+            <p:ph type="ftr" sz="quarter" idx="11"/>
+          </p:nvPr>
+        </p:nvSpPr>
+        <p:spPr/>
+        <p:txBody>
+          <a:bodyPr/>
+          <a:lstStyle/>
+          <a:p>
+            <a:r>
+              <a:rPr lang="ru-RU" smtClean="0"/>
+              <a:t>Кафедра 24. "Компьютерный практикум по прикладной ядерной физике: Geant4"</a:t>
+            </a:r>
+            <a:endParaRPr lang="ru-RU"/>
+          </a:p>
+        </p:txBody>
+      </p:sp>
+      <p:sp>
+        <p:nvSpPr>
+          <p:cNvPr id="6" name="Slide Number Placeholder 5"/>
+          <p:cNvSpPr>
+            <a:spLocks noGrp="1"/>
+          </p:cNvSpPr>
+          <p:nvPr>
+            <p:ph type="sldNum" sz="quarter" idx="12"/>
+          </p:nvPr>
+        </p:nvSpPr>
+        <p:spPr/>
+        <p:txBody>
+          <a:bodyPr/>
+          <a:lstStyle/>
+          <a:p>
+            <a:fld id="{674EE669-D11C-4069-A284-7FF13B82A48E}" type="slidenum">
+              <a:rPr lang="ru-RU" smtClean="0"/>
+              <a:t>‹#›</a:t>
+            </a:fld>
+            <a:endParaRPr lang="ru-RU"/>
+          </a:p>
+        </p:txBody>
+      </p:sp>
+      <p:cxnSp>
+        <p:nvCxnSpPr>
+          <p:cNvPr id="9" name="Прямая соединительная линия 8"/>
+          <p:cNvCxnSpPr/>
+          <p:nvPr/>
+        </p:nvCxnSpPr>
+        <p:spPr>
+          <a:xfrm>
+            <a:off x="1200150" y="1737362"/>
+            <a:ext cx="9853613" cy="0"/>
+          </a:xfrm>
+          <a:prstGeom prst="line">
+            <a:avLst/>
+          </a:prstGeom>
+        </p:spPr>
+        <p:style>
+          <a:lnRef idx="1">
+            <a:schemeClr val="dk1"/>
+          </a:lnRef>
+          <a:fillRef idx="0">
+            <a:schemeClr val="dk1"/>
+          </a:fillRef>
+          <a:effectRef idx="0">
+            <a:schemeClr val="dk1"/>
+          </a:effectRef>
+          <a:fontRef idx="minor">
+            <a:schemeClr val="tx1"/>
+          </a:fontRef>
+        </p:style>
+      </p:cxnSp>
+    </p:spTree>
+    <p:extLst>
+      <p:ext uri="{BB962C8B-B14F-4D97-AF65-F5344CB8AC3E}">
+        <p14:creationId xmlns:p14="http://schemas.microsoft.com/office/powerpoint/2010/main" val="1112848113"/>
+      </p:ext>
+    </p:extLst>
+  </p:cSld>
+  <p:clrMapOvr>
+    <a:masterClrMapping/>
+  </p:clrMapOvr>
+</p:sldLayout>
+</file>
+
+<file path=ppt/slideLayouts/slideLayout3.xml><?xml version="1.0" encoding="utf-8"?>
+<p:sldLayout xmlns:a="http://schemas.openxmlformats.org/drawingml/2006/main" xmlns:r="http://schemas.openxmlformats.org/officeDocument/2006/relationships" xmlns:p="http://schemas.openxmlformats.org/presentationml/2006/main" showMasterSp="0" type="secHead" preserve="1">
+  <p:cSld name="Заголовок раздела">
+    <p:bg>
+      <p:bgPr>
+        <a:solidFill>
+          <a:schemeClr val="bg1"/>
+        </a:solidFill>
+        <a:effectLst/>
+      </p:bgPr>
+    </p:bg>
+    <p:spTree>
+      <p:nvGrpSpPr>
+        <p:cNvPr id="1" name=""/>
+        <p:cNvGrpSpPr/>
+        <p:nvPr/>
+      </p:nvGrpSpPr>
+      <p:grpSpPr>
+        <a:xfrm>
+          <a:off x="0" y="0"/>
+          <a:ext cx="0" cy="0"/>
+          <a:chOff x="0" y="0"/>
+          <a:chExt cx="0" cy="0"/>
+        </a:xfrm>
+      </p:grpSpPr>
+      <p:sp>
+        <p:nvSpPr>
+          <p:cNvPr id="7" name="Rectangle 6"/>
+          <p:cNvSpPr/>
+          <p:nvPr/>
+        </p:nvSpPr>
+        <p:spPr>
+          <a:xfrm>
+            <a:off x="3177" y="6400800"/>
+            <a:ext cx="12188825" cy="457200"/>
+          </a:xfrm>
+          <a:prstGeom prst="rect">
+            <a:avLst/>
+          </a:prstGeom>
+          <a:solidFill>
+            <a:schemeClr val="accent2"/>
+          </a:solidFill>
+          <a:ln>
+            <a:noFill/>
+          </a:ln>
+        </p:spPr>
+        <p:style>
+          <a:lnRef idx="2">
+            <a:schemeClr val="accent1">
+              <a:shade val="50000"/>
+            </a:schemeClr>
+          </a:lnRef>
+          <a:fillRef idx="1">
+            <a:schemeClr val="accent1"/>
+          </a:fillRef>
+          <a:effectRef idx="0">
+            <a:schemeClr val="accent1"/>
+          </a:effectRef>
+          <a:fontRef idx="minor">
+            <a:schemeClr val="lt1"/>
+          </a:fontRef>
+        </p:style>
+      </p:sp>
+      <p:sp>
+        <p:nvSpPr>
+          <p:cNvPr id="8" name="Rectangle 7"/>
+          <p:cNvSpPr/>
+          <p:nvPr/>
+        </p:nvSpPr>
+        <p:spPr>
+          <a:xfrm>
+            <a:off x="17" y="6334316"/>
+            <a:ext cx="12188825" cy="64008"/>
+          </a:xfrm>
+          <a:prstGeom prst="rect">
+            <a:avLst/>
+          </a:prstGeom>
+          <a:solidFill>
+            <a:schemeClr val="accent1"/>
+          </a:solidFill>
+          <a:ln>
+            <a:noFill/>
+          </a:ln>
+        </p:spPr>
+        <p:style>
+          <a:lnRef idx="2">
+            <a:schemeClr val="accent1">
+              <a:shade val="50000"/>
+            </a:schemeClr>
+          </a:lnRef>
+          <a:fillRef idx="1">
+            <a:schemeClr val="accent1"/>
+          </a:fillRef>
+          <a:effectRef idx="0">
+            <a:schemeClr val="accent1"/>
+          </a:effectRef>
+          <a:fontRef idx="minor">
+            <a:schemeClr val="lt1"/>
+          </a:fontRef>
+        </p:style>
+      </p:sp>
+      <p:sp>
+        <p:nvSpPr>
+          <p:cNvPr id="2" name="Title 1"/>
+          <p:cNvSpPr>
+            <a:spLocks noGrp="1"/>
+          </p:cNvSpPr>
+          <p:nvPr>
+            <p:ph type="title"/>
+          </p:nvPr>
+        </p:nvSpPr>
+        <p:spPr>
+          <a:xfrm>
+            <a:off x="1097280" y="758952"/>
+            <a:ext cx="10058400" cy="3566160"/>
+          </a:xfrm>
+        </p:spPr>
+        <p:txBody>
+          <a:bodyPr anchor="b" anchorCtr="0">
+            <a:normAutofit/>
+          </a:bodyPr>
+          <a:lstStyle>
+            <a:lvl1pPr>
+              <a:lnSpc>
+                <a:spcPct val="85000"/>
+              </a:lnSpc>
+              <a:defRPr sz="8000" b="0">
+                <a:solidFill>
+                  <a:schemeClr val="tx1">
+                    <a:lumMod val="85000"/>
+                    <a:lumOff val="15000"/>
+                  </a:schemeClr>
+                </a:solidFill>
+              </a:defRPr>
+            </a:lvl1pPr>
+          </a:lstStyle>
+          <a:p>
+            <a:r>
+              <a:rPr lang="ru-RU" smtClean="0"/>
+              <a:t>Образец заголовка</a:t>
+            </a:r>
+            <a:endParaRPr lang="en-US" dirty="0"/>
+          </a:p>
+        </p:txBody>
+      </p:sp>
+      <p:sp>
+        <p:nvSpPr>
+          <p:cNvPr id="3" name="Text Placeholder 2"/>
+          <p:cNvSpPr>
+            <a:spLocks noGrp="1"/>
+          </p:cNvSpPr>
+          <p:nvPr>
+            <p:ph type="body" idx="1"/>
+          </p:nvPr>
+        </p:nvSpPr>
+        <p:spPr>
+          <a:xfrm>
+            <a:off x="1097280" y="4453128"/>
+            <a:ext cx="10058400" cy="1143000"/>
+          </a:xfrm>
+        </p:spPr>
+        <p:txBody>
+          <a:bodyPr lIns="91440" rIns="91440" anchor="t" anchorCtr="0">
+            <a:normAutofit/>
+          </a:bodyPr>
+          <a:lstStyle>
+            <a:lvl1pPr marL="0" indent="0">
+              <a:buNone/>
+              <a:defRPr sz="2400" cap="all" spc="200" baseline="0">
+                <a:solidFill>
+                  <a:schemeClr val="tx2"/>
+                </a:solidFill>
+                <a:latin typeface="+mj-lt"/>
+              </a:defRPr>
+            </a:lvl1pPr>
+            <a:lvl2pPr marL="457203" indent="0">
+              <a:buNone/>
+              <a:defRPr sz="1800">
+                <a:solidFill>
+                  <a:schemeClr val="tx1">
+                    <a:tint val="75000"/>
+                  </a:schemeClr>
+                </a:solidFill>
+              </a:defRPr>
+            </a:lvl2pPr>
+            <a:lvl3pPr marL="914406" indent="0">
+              <a:buNone/>
+              <a:defRPr sz="1600">
+                <a:solidFill>
+                  <a:schemeClr val="tx1">
+                    <a:tint val="75000"/>
+                  </a:schemeClr>
+                </a:solidFill>
+              </a:defRPr>
+            </a:lvl3pPr>
+            <a:lvl4pPr marL="1371609" indent="0">
+              <a:buNone/>
+              <a:defRPr sz="1400">
+                <a:solidFill>
+                  <a:schemeClr val="tx1">
+                    <a:tint val="75000"/>
+                  </a:schemeClr>
+                </a:solidFill>
+              </a:defRPr>
+            </a:lvl4pPr>
+            <a:lvl5pPr marL="1828812" indent="0">
+              <a:buNone/>
+              <a:defRPr sz="1400">
+                <a:solidFill>
+                  <a:schemeClr val="tx1">
+                    <a:tint val="75000"/>
+                  </a:schemeClr>
+                </a:solidFill>
+              </a:defRPr>
+            </a:lvl5pPr>
+            <a:lvl6pPr marL="2286015" indent="0">
+              <a:buNone/>
+              <a:defRPr sz="1400">
+                <a:solidFill>
+                  <a:schemeClr val="tx1">
+                    <a:tint val="75000"/>
+                  </a:schemeClr>
+                </a:solidFill>
+              </a:defRPr>
+            </a:lvl6pPr>
+            <a:lvl7pPr marL="2743218" indent="0">
+              <a:buNone/>
+              <a:defRPr sz="1400">
+                <a:solidFill>
+                  <a:schemeClr val="tx1">
+                    <a:tint val="75000"/>
+                  </a:schemeClr>
+                </a:solidFill>
+              </a:defRPr>
+            </a:lvl7pPr>
+            <a:lvl8pPr marL="3200421" indent="0">
+              <a:buNone/>
+              <a:defRPr sz="1400">
+                <a:solidFill>
+                  <a:schemeClr val="tx1">
+                    <a:tint val="75000"/>
+                  </a:schemeClr>
+                </a:solidFill>
+              </a:defRPr>
+            </a:lvl8pPr>
+            <a:lvl9pPr marL="3657624" indent="0">
+              <a:buNone/>
+              <a:defRPr sz="1400">
+                <a:solidFill>
+                  <a:schemeClr val="tx1">
+                    <a:tint val="75000"/>
+                  </a:schemeClr>
+                </a:solidFill>
+              </a:defRPr>
+            </a:lvl9pPr>
+          </a:lstStyle>
+          <a:p>
+            <a:pPr lvl="0"/>
+            <a:r>
+              <a:rPr lang="ru-RU" smtClean="0"/>
+              <a:t>Образец текста</a:t>
+            </a:r>
+          </a:p>
+        </p:txBody>
+      </p:sp>
+      <p:sp>
+        <p:nvSpPr>
+          <p:cNvPr id="4" name="Date Placeholder 3"/>
+          <p:cNvSpPr>
+            <a:spLocks noGrp="1"/>
+          </p:cNvSpPr>
+          <p:nvPr>
+            <p:ph type="dt" sz="half" idx="10"/>
+          </p:nvPr>
+        </p:nvSpPr>
+        <p:spPr/>
+        <p:txBody>
+          <a:bodyPr/>
+          <a:lstStyle/>
+          <a:p>
+            <a:fld id="{48CBDAC1-A440-4B65-86BA-A674DA6DC16A}" type="datetime1">
+              <a:rPr lang="ru-RU" smtClean="0"/>
+              <a:t>21.07.2017</a:t>
             </a:fld>
             <a:endParaRPr lang="ru-RU"/>
           </a:p>
@@ -4291,1164 +5454,7 @@
     </p:spTree>
     <p:extLst>
       <p:ext uri="{BB962C8B-B14F-4D97-AF65-F5344CB8AC3E}">
-        <p14:creationId xmlns:p14="http://schemas.microsoft.com/office/powerpoint/2010/main" val="3754421612"/>
-      </p:ext>
-    </p:extLst>
-  </p:cSld>
-  <p:clrMapOvr>
-    <a:masterClrMapping/>
-  </p:clrMapOvr>
-</p:sldLayout>
-</file>
-
-<file path=ppt/slideLayouts/slideLayout10.xml><?xml version="1.0" encoding="utf-8"?>
-<p:sldLayout xmlns:a="http://schemas.openxmlformats.org/drawingml/2006/main" xmlns:r="http://schemas.openxmlformats.org/officeDocument/2006/relationships" xmlns:p="http://schemas.openxmlformats.org/presentationml/2006/main" type="vertTx" preserve="1">
-  <p:cSld name="Заголовок и вертикальный текст">
-    <p:spTree>
-      <p:nvGrpSpPr>
-        <p:cNvPr id="1" name=""/>
-        <p:cNvGrpSpPr/>
-        <p:nvPr/>
-      </p:nvGrpSpPr>
-      <p:grpSpPr>
-        <a:xfrm>
-          <a:off x="0" y="0"/>
-          <a:ext cx="0" cy="0"/>
-          <a:chOff x="0" y="0"/>
-          <a:chExt cx="0" cy="0"/>
-        </a:xfrm>
-      </p:grpSpPr>
-      <p:sp>
-        <p:nvSpPr>
-          <p:cNvPr id="2" name="Title 1"/>
-          <p:cNvSpPr>
-            <a:spLocks noGrp="1"/>
-          </p:cNvSpPr>
-          <p:nvPr>
-            <p:ph type="title"/>
-          </p:nvPr>
-        </p:nvSpPr>
-        <p:spPr/>
-        <p:txBody>
-          <a:bodyPr/>
-          <a:lstStyle/>
-          <a:p>
-            <a:r>
-              <a:rPr lang="ru-RU" smtClean="0"/>
-              <a:t>Образец заголовка</a:t>
-            </a:r>
-            <a:endParaRPr lang="en-US" dirty="0"/>
-          </a:p>
-        </p:txBody>
-      </p:sp>
-      <p:sp>
-        <p:nvSpPr>
-          <p:cNvPr id="3" name="Vertical Text Placeholder 2"/>
-          <p:cNvSpPr>
-            <a:spLocks noGrp="1"/>
-          </p:cNvSpPr>
-          <p:nvPr>
-            <p:ph type="body" orient="vert" idx="1"/>
-          </p:nvPr>
-        </p:nvSpPr>
-        <p:spPr/>
-        <p:txBody>
-          <a:bodyPr vert="eaVert" lIns="45720" tIns="0" rIns="45720" bIns="0"/>
-          <a:lstStyle/>
-          <a:p>
-            <a:pPr lvl="0"/>
-            <a:r>
-              <a:rPr lang="ru-RU" smtClean="0"/>
-              <a:t>Образец текста</a:t>
-            </a:r>
-          </a:p>
-          <a:p>
-            <a:pPr lvl="1"/>
-            <a:r>
-              <a:rPr lang="ru-RU" smtClean="0"/>
-              <a:t>Второй уровень</a:t>
-            </a:r>
-          </a:p>
-          <a:p>
-            <a:pPr lvl="2"/>
-            <a:r>
-              <a:rPr lang="ru-RU" smtClean="0"/>
-              <a:t>Третий уровень</a:t>
-            </a:r>
-          </a:p>
-          <a:p>
-            <a:pPr lvl="3"/>
-            <a:r>
-              <a:rPr lang="ru-RU" smtClean="0"/>
-              <a:t>Четвертый уровень</a:t>
-            </a:r>
-          </a:p>
-          <a:p>
-            <a:pPr lvl="4"/>
-            <a:r>
-              <a:rPr lang="ru-RU" smtClean="0"/>
-              <a:t>Пятый уровень</a:t>
-            </a:r>
-            <a:endParaRPr lang="en-US" dirty="0"/>
-          </a:p>
-        </p:txBody>
-      </p:sp>
-      <p:sp>
-        <p:nvSpPr>
-          <p:cNvPr id="4" name="Date Placeholder 3"/>
-          <p:cNvSpPr>
-            <a:spLocks noGrp="1"/>
-          </p:cNvSpPr>
-          <p:nvPr>
-            <p:ph type="dt" sz="half" idx="10"/>
-          </p:nvPr>
-        </p:nvSpPr>
-        <p:spPr/>
-        <p:txBody>
-          <a:bodyPr/>
-          <a:lstStyle/>
-          <a:p>
-            <a:fld id="{6E91351F-2BB5-4362-A4E0-AD957AF6AD45}" type="datetime1">
-              <a:rPr lang="ru-RU" smtClean="0"/>
-              <a:t>01.06.2017</a:t>
-            </a:fld>
-            <a:endParaRPr lang="ru-RU"/>
-          </a:p>
-        </p:txBody>
-      </p:sp>
-      <p:sp>
-        <p:nvSpPr>
-          <p:cNvPr id="5" name="Footer Placeholder 4"/>
-          <p:cNvSpPr>
-            <a:spLocks noGrp="1"/>
-          </p:cNvSpPr>
-          <p:nvPr>
-            <p:ph type="ftr" sz="quarter" idx="11"/>
-          </p:nvPr>
-        </p:nvSpPr>
-        <p:spPr/>
-        <p:txBody>
-          <a:bodyPr/>
-          <a:lstStyle/>
-          <a:p>
-            <a:r>
-              <a:rPr lang="ru-RU" smtClean="0"/>
-              <a:t>Кафедра 24. "Компьютерный практикум по прикладной ядерной физике: Geant4"</a:t>
-            </a:r>
-            <a:endParaRPr lang="ru-RU"/>
-          </a:p>
-        </p:txBody>
-      </p:sp>
-      <p:sp>
-        <p:nvSpPr>
-          <p:cNvPr id="6" name="Slide Number Placeholder 5"/>
-          <p:cNvSpPr>
-            <a:spLocks noGrp="1"/>
-          </p:cNvSpPr>
-          <p:nvPr>
-            <p:ph type="sldNum" sz="quarter" idx="12"/>
-          </p:nvPr>
-        </p:nvSpPr>
-        <p:spPr/>
-        <p:txBody>
-          <a:bodyPr/>
-          <a:lstStyle/>
-          <a:p>
-            <a:fld id="{674EE669-D11C-4069-A284-7FF13B82A48E}" type="slidenum">
-              <a:rPr lang="ru-RU" smtClean="0"/>
-              <a:t>‹#›</a:t>
-            </a:fld>
-            <a:endParaRPr lang="ru-RU"/>
-          </a:p>
-        </p:txBody>
-      </p:sp>
-    </p:spTree>
-    <p:extLst>
-      <p:ext uri="{BB962C8B-B14F-4D97-AF65-F5344CB8AC3E}">
-        <p14:creationId xmlns:p14="http://schemas.microsoft.com/office/powerpoint/2010/main" val="1577416710"/>
-      </p:ext>
-    </p:extLst>
-  </p:cSld>
-  <p:clrMapOvr>
-    <a:masterClrMapping/>
-  </p:clrMapOvr>
-</p:sldLayout>
-</file>
-
-<file path=ppt/slideLayouts/slideLayout11.xml><?xml version="1.0" encoding="utf-8"?>
-<p:sldLayout xmlns:a="http://schemas.openxmlformats.org/drawingml/2006/main" xmlns:r="http://schemas.openxmlformats.org/officeDocument/2006/relationships" xmlns:p="http://schemas.openxmlformats.org/presentationml/2006/main" showMasterSp="0" type="vertTitleAndTx" preserve="1">
-  <p:cSld name="Вертикальный заголовок и текст">
-    <p:spTree>
-      <p:nvGrpSpPr>
-        <p:cNvPr id="1" name=""/>
-        <p:cNvGrpSpPr/>
-        <p:nvPr/>
-      </p:nvGrpSpPr>
-      <p:grpSpPr>
-        <a:xfrm>
-          <a:off x="0" y="0"/>
-          <a:ext cx="0" cy="0"/>
-          <a:chOff x="0" y="0"/>
-          <a:chExt cx="0" cy="0"/>
-        </a:xfrm>
-      </p:grpSpPr>
-      <p:sp>
-        <p:nvSpPr>
-          <p:cNvPr id="7" name="Rectangle 6"/>
-          <p:cNvSpPr/>
-          <p:nvPr/>
-        </p:nvSpPr>
-        <p:spPr>
-          <a:xfrm>
-            <a:off x="3177" y="6400800"/>
-            <a:ext cx="12188825" cy="457200"/>
-          </a:xfrm>
-          <a:prstGeom prst="rect">
-            <a:avLst/>
-          </a:prstGeom>
-          <a:solidFill>
-            <a:schemeClr val="accent2"/>
-          </a:solidFill>
-          <a:ln>
-            <a:noFill/>
-          </a:ln>
-        </p:spPr>
-        <p:style>
-          <a:lnRef idx="2">
-            <a:schemeClr val="accent1">
-              <a:shade val="50000"/>
-            </a:schemeClr>
-          </a:lnRef>
-          <a:fillRef idx="1">
-            <a:schemeClr val="accent1"/>
-          </a:fillRef>
-          <a:effectRef idx="0">
-            <a:schemeClr val="accent1"/>
-          </a:effectRef>
-          <a:fontRef idx="minor">
-            <a:schemeClr val="lt1"/>
-          </a:fontRef>
-        </p:style>
-      </p:sp>
-      <p:sp>
-        <p:nvSpPr>
-          <p:cNvPr id="8" name="Rectangle 7"/>
-          <p:cNvSpPr/>
-          <p:nvPr/>
-        </p:nvSpPr>
-        <p:spPr>
-          <a:xfrm>
-            <a:off x="17" y="6334316"/>
-            <a:ext cx="12188825" cy="64008"/>
-          </a:xfrm>
-          <a:prstGeom prst="rect">
-            <a:avLst/>
-          </a:prstGeom>
-          <a:solidFill>
-            <a:schemeClr val="accent1"/>
-          </a:solidFill>
-          <a:ln>
-            <a:noFill/>
-          </a:ln>
-        </p:spPr>
-        <p:style>
-          <a:lnRef idx="2">
-            <a:schemeClr val="accent1">
-              <a:shade val="50000"/>
-            </a:schemeClr>
-          </a:lnRef>
-          <a:fillRef idx="1">
-            <a:schemeClr val="accent1"/>
-          </a:fillRef>
-          <a:effectRef idx="0">
-            <a:schemeClr val="accent1"/>
-          </a:effectRef>
-          <a:fontRef idx="minor">
-            <a:schemeClr val="lt1"/>
-          </a:fontRef>
-        </p:style>
-      </p:sp>
-      <p:sp>
-        <p:nvSpPr>
-          <p:cNvPr id="2" name="Vertical Title 1"/>
-          <p:cNvSpPr>
-            <a:spLocks noGrp="1"/>
-          </p:cNvSpPr>
-          <p:nvPr>
-            <p:ph type="title" orient="vert"/>
-          </p:nvPr>
-        </p:nvSpPr>
-        <p:spPr>
-          <a:xfrm>
-            <a:off x="8724902" y="412303"/>
-            <a:ext cx="2628900" cy="5759898"/>
-          </a:xfrm>
-        </p:spPr>
-        <p:txBody>
-          <a:bodyPr vert="eaVert"/>
-          <a:lstStyle/>
-          <a:p>
-            <a:r>
-              <a:rPr lang="ru-RU" smtClean="0"/>
-              <a:t>Образец заголовка</a:t>
-            </a:r>
-            <a:endParaRPr lang="en-US" dirty="0"/>
-          </a:p>
-        </p:txBody>
-      </p:sp>
-      <p:sp>
-        <p:nvSpPr>
-          <p:cNvPr id="3" name="Vertical Text Placeholder 2"/>
-          <p:cNvSpPr>
-            <a:spLocks noGrp="1"/>
-          </p:cNvSpPr>
-          <p:nvPr>
-            <p:ph type="body" orient="vert" idx="1"/>
-          </p:nvPr>
-        </p:nvSpPr>
-        <p:spPr>
-          <a:xfrm>
-            <a:off x="838201" y="412303"/>
-            <a:ext cx="7734299" cy="5759898"/>
-          </a:xfrm>
-        </p:spPr>
-        <p:txBody>
-          <a:bodyPr vert="eaVert" lIns="45720" tIns="0" rIns="45720" bIns="0"/>
-          <a:lstStyle/>
-          <a:p>
-            <a:pPr lvl="0"/>
-            <a:r>
-              <a:rPr lang="ru-RU" smtClean="0"/>
-              <a:t>Образец текста</a:t>
-            </a:r>
-          </a:p>
-          <a:p>
-            <a:pPr lvl="1"/>
-            <a:r>
-              <a:rPr lang="ru-RU" smtClean="0"/>
-              <a:t>Второй уровень</a:t>
-            </a:r>
-          </a:p>
-          <a:p>
-            <a:pPr lvl="2"/>
-            <a:r>
-              <a:rPr lang="ru-RU" smtClean="0"/>
-              <a:t>Третий уровень</a:t>
-            </a:r>
-          </a:p>
-          <a:p>
-            <a:pPr lvl="3"/>
-            <a:r>
-              <a:rPr lang="ru-RU" smtClean="0"/>
-              <a:t>Четвертый уровень</a:t>
-            </a:r>
-          </a:p>
-          <a:p>
-            <a:pPr lvl="4"/>
-            <a:r>
-              <a:rPr lang="ru-RU" smtClean="0"/>
-              <a:t>Пятый уровень</a:t>
-            </a:r>
-            <a:endParaRPr lang="en-US" dirty="0"/>
-          </a:p>
-        </p:txBody>
-      </p:sp>
-      <p:sp>
-        <p:nvSpPr>
-          <p:cNvPr id="4" name="Date Placeholder 3"/>
-          <p:cNvSpPr>
-            <a:spLocks noGrp="1"/>
-          </p:cNvSpPr>
-          <p:nvPr>
-            <p:ph type="dt" sz="half" idx="10"/>
-          </p:nvPr>
-        </p:nvSpPr>
-        <p:spPr/>
-        <p:txBody>
-          <a:bodyPr/>
-          <a:lstStyle/>
-          <a:p>
-            <a:fld id="{60666FDD-34A4-46F3-927B-BACEF901582B}" type="datetime1">
-              <a:rPr lang="ru-RU" smtClean="0"/>
-              <a:t>01.06.2017</a:t>
-            </a:fld>
-            <a:endParaRPr lang="ru-RU"/>
-          </a:p>
-        </p:txBody>
-      </p:sp>
-      <p:sp>
-        <p:nvSpPr>
-          <p:cNvPr id="5" name="Footer Placeholder 4"/>
-          <p:cNvSpPr>
-            <a:spLocks noGrp="1"/>
-          </p:cNvSpPr>
-          <p:nvPr>
-            <p:ph type="ftr" sz="quarter" idx="11"/>
-          </p:nvPr>
-        </p:nvSpPr>
-        <p:spPr/>
-        <p:txBody>
-          <a:bodyPr/>
-          <a:lstStyle/>
-          <a:p>
-            <a:r>
-              <a:rPr lang="ru-RU" smtClean="0"/>
-              <a:t>Кафедра 24. "Компьютерный практикум по прикладной ядерной физике: Geant4"</a:t>
-            </a:r>
-            <a:endParaRPr lang="ru-RU"/>
-          </a:p>
-        </p:txBody>
-      </p:sp>
-      <p:sp>
-        <p:nvSpPr>
-          <p:cNvPr id="6" name="Slide Number Placeholder 5"/>
-          <p:cNvSpPr>
-            <a:spLocks noGrp="1"/>
-          </p:cNvSpPr>
-          <p:nvPr>
-            <p:ph type="sldNum" sz="quarter" idx="12"/>
-          </p:nvPr>
-        </p:nvSpPr>
-        <p:spPr/>
-        <p:txBody>
-          <a:bodyPr/>
-          <a:lstStyle/>
-          <a:p>
-            <a:fld id="{674EE669-D11C-4069-A284-7FF13B82A48E}" type="slidenum">
-              <a:rPr lang="ru-RU" smtClean="0"/>
-              <a:t>‹#›</a:t>
-            </a:fld>
-            <a:endParaRPr lang="ru-RU"/>
-          </a:p>
-        </p:txBody>
-      </p:sp>
-    </p:spTree>
-    <p:extLst>
-      <p:ext uri="{BB962C8B-B14F-4D97-AF65-F5344CB8AC3E}">
-        <p14:creationId xmlns:p14="http://schemas.microsoft.com/office/powerpoint/2010/main" val="1767457343"/>
-      </p:ext>
-    </p:extLst>
-  </p:cSld>
-  <p:clrMapOvr>
-    <a:masterClrMapping/>
-  </p:clrMapOvr>
-</p:sldLayout>
-</file>
-
-<file path=ppt/slideLayouts/slideLayout12.xml><?xml version="1.0" encoding="utf-8"?>
-<p:sldLayout xmlns:a="http://schemas.openxmlformats.org/drawingml/2006/main" xmlns:r="http://schemas.openxmlformats.org/officeDocument/2006/relationships" xmlns:p="http://schemas.openxmlformats.org/presentationml/2006/main" type="tx">
-  <p:cSld name="1_Титульный слайд">
-    <p:spTree>
-      <p:nvGrpSpPr>
-        <p:cNvPr id="1" name=""/>
-        <p:cNvGrpSpPr/>
-        <p:nvPr/>
-      </p:nvGrpSpPr>
-      <p:grpSpPr>
-        <a:xfrm>
-          <a:off x="0" y="0"/>
-          <a:ext cx="0" cy="0"/>
-          <a:chOff x="0" y="0"/>
-          <a:chExt cx="0" cy="0"/>
-        </a:xfrm>
-      </p:grpSpPr>
-      <p:sp>
-        <p:nvSpPr>
-          <p:cNvPr id="5" name="PlaceHolder 1"/>
-          <p:cNvSpPr>
-            <a:spLocks noGrp="1"/>
-          </p:cNvSpPr>
-          <p:nvPr>
-            <p:ph type="title"/>
-          </p:nvPr>
-        </p:nvSpPr>
-        <p:spPr>
-          <a:xfrm>
-            <a:off x="609562" y="273352"/>
-            <a:ext cx="10971684" cy="1145009"/>
-          </a:xfrm>
-          <a:prstGeom prst="rect">
-            <a:avLst/>
-          </a:prstGeom>
-        </p:spPr>
-        <p:txBody>
-          <a:bodyPr lIns="0" tIns="0" rIns="0" bIns="0" anchor="ctr"/>
-          <a:lstStyle/>
-          <a:p>
-            <a:pPr algn="ctr"/>
-            <a:r>
-              <a:rPr lang="ru-RU" sz="3992" b="0" strike="noStrike" spc="-1" smtClean="0">
-                <a:solidFill>
-                  <a:srgbClr val="000000"/>
-                </a:solidFill>
-                <a:uFill>
-                  <a:solidFill>
-                    <a:srgbClr val="FFFFFF"/>
-                  </a:solidFill>
-                </a:uFill>
-                <a:latin typeface="Arial"/>
-              </a:rPr>
-              <a:t>Образец заголовка</a:t>
-            </a:r>
-            <a:endParaRPr lang="ru-RU" sz="3992" b="0" strike="noStrike" spc="-1">
-              <a:solidFill>
-                <a:srgbClr val="000000"/>
-              </a:solidFill>
-              <a:uFill>
-                <a:solidFill>
-                  <a:srgbClr val="FFFFFF"/>
-                </a:solidFill>
-              </a:uFill>
-              <a:latin typeface="Arial"/>
-            </a:endParaRPr>
-          </a:p>
-        </p:txBody>
-      </p:sp>
-      <p:sp>
-        <p:nvSpPr>
-          <p:cNvPr id="6" name="PlaceHolder 2"/>
-          <p:cNvSpPr>
-            <a:spLocks noGrp="1"/>
-          </p:cNvSpPr>
-          <p:nvPr>
-            <p:ph type="subTitle"/>
-          </p:nvPr>
-        </p:nvSpPr>
-        <p:spPr>
-          <a:xfrm>
-            <a:off x="609562" y="1604841"/>
-            <a:ext cx="10971684" cy="3977484"/>
-          </a:xfrm>
-          <a:prstGeom prst="rect">
-            <a:avLst/>
-          </a:prstGeom>
-        </p:spPr>
-        <p:txBody>
-          <a:bodyPr lIns="0" tIns="0" rIns="0" bIns="0" anchor="ctr"/>
-          <a:lstStyle/>
-          <a:p>
-            <a:pPr algn="ctr"/>
-            <a:r>
-              <a:rPr lang="ru-RU" sz="2903" b="0" strike="noStrike" spc="-1" smtClean="0">
-                <a:solidFill>
-                  <a:srgbClr val="000000"/>
-                </a:solidFill>
-                <a:uFill>
-                  <a:solidFill>
-                    <a:srgbClr val="FFFFFF"/>
-                  </a:solidFill>
-                </a:uFill>
-                <a:latin typeface="Arial"/>
-              </a:rPr>
-              <a:t>Образец подзаголовка</a:t>
-            </a:r>
-            <a:endParaRPr lang="ru-RU" sz="2903" b="0" strike="noStrike" spc="-1">
-              <a:solidFill>
-                <a:srgbClr val="000000"/>
-              </a:solidFill>
-              <a:uFill>
-                <a:solidFill>
-                  <a:srgbClr val="FFFFFF"/>
-                </a:solidFill>
-              </a:uFill>
-              <a:latin typeface="Arial"/>
-            </a:endParaRPr>
-          </a:p>
-        </p:txBody>
-      </p:sp>
-    </p:spTree>
-    <p:extLst>
-      <p:ext uri="{BB962C8B-B14F-4D97-AF65-F5344CB8AC3E}">
-        <p14:creationId xmlns:p14="http://schemas.microsoft.com/office/powerpoint/2010/main" val="3537560918"/>
-      </p:ext>
-    </p:extLst>
-  </p:cSld>
-  <p:clrMapOvr>
-    <a:masterClrMapping/>
-  </p:clrMapOvr>
-</p:sldLayout>
-</file>
-
-<file path=ppt/slideLayouts/slideLayout2.xml><?xml version="1.0" encoding="utf-8"?>
-<p:sldLayout xmlns:a="http://schemas.openxmlformats.org/drawingml/2006/main" xmlns:r="http://schemas.openxmlformats.org/officeDocument/2006/relationships" xmlns:p="http://schemas.openxmlformats.org/presentationml/2006/main" type="obj" preserve="1">
-  <p:cSld name="Заголовок и объект">
-    <p:spTree>
-      <p:nvGrpSpPr>
-        <p:cNvPr id="1" name=""/>
-        <p:cNvGrpSpPr/>
-        <p:nvPr/>
-      </p:nvGrpSpPr>
-      <p:grpSpPr>
-        <a:xfrm>
-          <a:off x="0" y="0"/>
-          <a:ext cx="0" cy="0"/>
-          <a:chOff x="0" y="0"/>
-          <a:chExt cx="0" cy="0"/>
-        </a:xfrm>
-      </p:grpSpPr>
-      <p:sp>
-        <p:nvSpPr>
-          <p:cNvPr id="2" name="Title 1"/>
-          <p:cNvSpPr>
-            <a:spLocks noGrp="1"/>
-          </p:cNvSpPr>
-          <p:nvPr>
-            <p:ph type="title"/>
-          </p:nvPr>
-        </p:nvSpPr>
-        <p:spPr/>
-        <p:txBody>
-          <a:bodyPr/>
-          <a:lstStyle/>
-          <a:p>
-            <a:r>
-              <a:rPr lang="ru-RU" smtClean="0"/>
-              <a:t>Образец заголовка</a:t>
-            </a:r>
-            <a:endParaRPr lang="en-US" dirty="0"/>
-          </a:p>
-        </p:txBody>
-      </p:sp>
-      <p:sp>
-        <p:nvSpPr>
-          <p:cNvPr id="3" name="Content Placeholder 2"/>
-          <p:cNvSpPr>
-            <a:spLocks noGrp="1"/>
-          </p:cNvSpPr>
-          <p:nvPr>
-            <p:ph idx="1"/>
-          </p:nvPr>
-        </p:nvSpPr>
-        <p:spPr/>
-        <p:txBody>
-          <a:bodyPr/>
-          <a:lstStyle/>
-          <a:p>
-            <a:pPr lvl="0"/>
-            <a:r>
-              <a:rPr lang="ru-RU" smtClean="0"/>
-              <a:t>Образец текста</a:t>
-            </a:r>
-          </a:p>
-          <a:p>
-            <a:pPr lvl="1"/>
-            <a:r>
-              <a:rPr lang="ru-RU" smtClean="0"/>
-              <a:t>Второй уровень</a:t>
-            </a:r>
-          </a:p>
-          <a:p>
-            <a:pPr lvl="2"/>
-            <a:r>
-              <a:rPr lang="ru-RU" smtClean="0"/>
-              <a:t>Третий уровень</a:t>
-            </a:r>
-          </a:p>
-          <a:p>
-            <a:pPr lvl="3"/>
-            <a:r>
-              <a:rPr lang="ru-RU" smtClean="0"/>
-              <a:t>Четвертый уровень</a:t>
-            </a:r>
-          </a:p>
-          <a:p>
-            <a:pPr lvl="4"/>
-            <a:r>
-              <a:rPr lang="ru-RU" smtClean="0"/>
-              <a:t>Пятый уровень</a:t>
-            </a:r>
-            <a:endParaRPr lang="en-US" dirty="0"/>
-          </a:p>
-        </p:txBody>
-      </p:sp>
-      <p:sp>
-        <p:nvSpPr>
-          <p:cNvPr id="4" name="Date Placeholder 3"/>
-          <p:cNvSpPr>
-            <a:spLocks noGrp="1"/>
-          </p:cNvSpPr>
-          <p:nvPr>
-            <p:ph type="dt" sz="half" idx="10"/>
-          </p:nvPr>
-        </p:nvSpPr>
-        <p:spPr/>
-        <p:txBody>
-          <a:bodyPr/>
-          <a:lstStyle/>
-          <a:p>
-            <a:fld id="{30E90D65-CF34-4D7B-9942-CFD996BB5E67}" type="datetime1">
-              <a:rPr lang="ru-RU" smtClean="0"/>
-              <a:t>01.06.2017</a:t>
-            </a:fld>
-            <a:endParaRPr lang="ru-RU"/>
-          </a:p>
-        </p:txBody>
-      </p:sp>
-      <p:sp>
-        <p:nvSpPr>
-          <p:cNvPr id="5" name="Footer Placeholder 4"/>
-          <p:cNvSpPr>
-            <a:spLocks noGrp="1"/>
-          </p:cNvSpPr>
-          <p:nvPr>
-            <p:ph type="ftr" sz="quarter" idx="11"/>
-          </p:nvPr>
-        </p:nvSpPr>
-        <p:spPr/>
-        <p:txBody>
-          <a:bodyPr/>
-          <a:lstStyle/>
-          <a:p>
-            <a:r>
-              <a:rPr lang="ru-RU" smtClean="0"/>
-              <a:t>Кафедра 24. "Компьютерный практикум по прикладной ядерной физике: Geant4"</a:t>
-            </a:r>
-            <a:endParaRPr lang="ru-RU"/>
-          </a:p>
-        </p:txBody>
-      </p:sp>
-      <p:sp>
-        <p:nvSpPr>
-          <p:cNvPr id="6" name="Slide Number Placeholder 5"/>
-          <p:cNvSpPr>
-            <a:spLocks noGrp="1"/>
-          </p:cNvSpPr>
-          <p:nvPr>
-            <p:ph type="sldNum" sz="quarter" idx="12"/>
-          </p:nvPr>
-        </p:nvSpPr>
-        <p:spPr/>
-        <p:txBody>
-          <a:bodyPr/>
-          <a:lstStyle/>
-          <a:p>
-            <a:fld id="{674EE669-D11C-4069-A284-7FF13B82A48E}" type="slidenum">
-              <a:rPr lang="ru-RU" smtClean="0"/>
-              <a:t>‹#›</a:t>
-            </a:fld>
-            <a:endParaRPr lang="ru-RU"/>
-          </a:p>
-        </p:txBody>
-      </p:sp>
-      <p:cxnSp>
-        <p:nvCxnSpPr>
-          <p:cNvPr id="9" name="Прямая соединительная линия 8"/>
-          <p:cNvCxnSpPr/>
-          <p:nvPr/>
-        </p:nvCxnSpPr>
-        <p:spPr>
-          <a:xfrm>
-            <a:off x="1200150" y="1737362"/>
-            <a:ext cx="9853613" cy="0"/>
-          </a:xfrm>
-          <a:prstGeom prst="line">
-            <a:avLst/>
-          </a:prstGeom>
-        </p:spPr>
-        <p:style>
-          <a:lnRef idx="1">
-            <a:schemeClr val="dk1"/>
-          </a:lnRef>
-          <a:fillRef idx="0">
-            <a:schemeClr val="dk1"/>
-          </a:fillRef>
-          <a:effectRef idx="0">
-            <a:schemeClr val="dk1"/>
-          </a:effectRef>
-          <a:fontRef idx="minor">
-            <a:schemeClr val="tx1"/>
-          </a:fontRef>
-        </p:style>
-      </p:cxnSp>
-    </p:spTree>
-    <p:extLst>
-      <p:ext uri="{BB962C8B-B14F-4D97-AF65-F5344CB8AC3E}">
-        <p14:creationId xmlns:p14="http://schemas.microsoft.com/office/powerpoint/2010/main" val="3921747606"/>
-      </p:ext>
-    </p:extLst>
-  </p:cSld>
-  <p:clrMapOvr>
-    <a:masterClrMapping/>
-  </p:clrMapOvr>
-</p:sldLayout>
-</file>
-
-<file path=ppt/slideLayouts/slideLayout3.xml><?xml version="1.0" encoding="utf-8"?>
-<p:sldLayout xmlns:a="http://schemas.openxmlformats.org/drawingml/2006/main" xmlns:r="http://schemas.openxmlformats.org/officeDocument/2006/relationships" xmlns:p="http://schemas.openxmlformats.org/presentationml/2006/main" showMasterSp="0" type="secHead" preserve="1">
-  <p:cSld name="Заголовок раздела">
-    <p:bg>
-      <p:bgPr>
-        <a:solidFill>
-          <a:schemeClr val="bg1"/>
-        </a:solidFill>
-        <a:effectLst/>
-      </p:bgPr>
-    </p:bg>
-    <p:spTree>
-      <p:nvGrpSpPr>
-        <p:cNvPr id="1" name=""/>
-        <p:cNvGrpSpPr/>
-        <p:nvPr/>
-      </p:nvGrpSpPr>
-      <p:grpSpPr>
-        <a:xfrm>
-          <a:off x="0" y="0"/>
-          <a:ext cx="0" cy="0"/>
-          <a:chOff x="0" y="0"/>
-          <a:chExt cx="0" cy="0"/>
-        </a:xfrm>
-      </p:grpSpPr>
-      <p:sp>
-        <p:nvSpPr>
-          <p:cNvPr id="7" name="Rectangle 6"/>
-          <p:cNvSpPr/>
-          <p:nvPr/>
-        </p:nvSpPr>
-        <p:spPr>
-          <a:xfrm>
-            <a:off x="3177" y="6400800"/>
-            <a:ext cx="12188825" cy="457200"/>
-          </a:xfrm>
-          <a:prstGeom prst="rect">
-            <a:avLst/>
-          </a:prstGeom>
-          <a:solidFill>
-            <a:schemeClr val="accent2"/>
-          </a:solidFill>
-          <a:ln>
-            <a:noFill/>
-          </a:ln>
-        </p:spPr>
-        <p:style>
-          <a:lnRef idx="2">
-            <a:schemeClr val="accent1">
-              <a:shade val="50000"/>
-            </a:schemeClr>
-          </a:lnRef>
-          <a:fillRef idx="1">
-            <a:schemeClr val="accent1"/>
-          </a:fillRef>
-          <a:effectRef idx="0">
-            <a:schemeClr val="accent1"/>
-          </a:effectRef>
-          <a:fontRef idx="minor">
-            <a:schemeClr val="lt1"/>
-          </a:fontRef>
-        </p:style>
-      </p:sp>
-      <p:sp>
-        <p:nvSpPr>
-          <p:cNvPr id="8" name="Rectangle 7"/>
-          <p:cNvSpPr/>
-          <p:nvPr/>
-        </p:nvSpPr>
-        <p:spPr>
-          <a:xfrm>
-            <a:off x="17" y="6334316"/>
-            <a:ext cx="12188825" cy="64008"/>
-          </a:xfrm>
-          <a:prstGeom prst="rect">
-            <a:avLst/>
-          </a:prstGeom>
-          <a:solidFill>
-            <a:schemeClr val="accent1"/>
-          </a:solidFill>
-          <a:ln>
-            <a:noFill/>
-          </a:ln>
-        </p:spPr>
-        <p:style>
-          <a:lnRef idx="2">
-            <a:schemeClr val="accent1">
-              <a:shade val="50000"/>
-            </a:schemeClr>
-          </a:lnRef>
-          <a:fillRef idx="1">
-            <a:schemeClr val="accent1"/>
-          </a:fillRef>
-          <a:effectRef idx="0">
-            <a:schemeClr val="accent1"/>
-          </a:effectRef>
-          <a:fontRef idx="minor">
-            <a:schemeClr val="lt1"/>
-          </a:fontRef>
-        </p:style>
-      </p:sp>
-      <p:sp>
-        <p:nvSpPr>
-          <p:cNvPr id="2" name="Title 1"/>
-          <p:cNvSpPr>
-            <a:spLocks noGrp="1"/>
-          </p:cNvSpPr>
-          <p:nvPr>
-            <p:ph type="title"/>
-          </p:nvPr>
-        </p:nvSpPr>
-        <p:spPr>
-          <a:xfrm>
-            <a:off x="1097280" y="758952"/>
-            <a:ext cx="10058400" cy="3566160"/>
-          </a:xfrm>
-        </p:spPr>
-        <p:txBody>
-          <a:bodyPr anchor="b" anchorCtr="0">
-            <a:normAutofit/>
-          </a:bodyPr>
-          <a:lstStyle>
-            <a:lvl1pPr>
-              <a:lnSpc>
-                <a:spcPct val="85000"/>
-              </a:lnSpc>
-              <a:defRPr sz="8000" b="0">
-                <a:solidFill>
-                  <a:schemeClr val="tx1">
-                    <a:lumMod val="85000"/>
-                    <a:lumOff val="15000"/>
-                  </a:schemeClr>
-                </a:solidFill>
-              </a:defRPr>
-            </a:lvl1pPr>
-          </a:lstStyle>
-          <a:p>
-            <a:r>
-              <a:rPr lang="ru-RU" smtClean="0"/>
-              <a:t>Образец заголовка</a:t>
-            </a:r>
-            <a:endParaRPr lang="en-US" dirty="0"/>
-          </a:p>
-        </p:txBody>
-      </p:sp>
-      <p:sp>
-        <p:nvSpPr>
-          <p:cNvPr id="3" name="Text Placeholder 2"/>
-          <p:cNvSpPr>
-            <a:spLocks noGrp="1"/>
-          </p:cNvSpPr>
-          <p:nvPr>
-            <p:ph type="body" idx="1"/>
-          </p:nvPr>
-        </p:nvSpPr>
-        <p:spPr>
-          <a:xfrm>
-            <a:off x="1097280" y="4453128"/>
-            <a:ext cx="10058400" cy="1143000"/>
-          </a:xfrm>
-        </p:spPr>
-        <p:txBody>
-          <a:bodyPr lIns="91440" rIns="91440" anchor="t" anchorCtr="0">
-            <a:normAutofit/>
-          </a:bodyPr>
-          <a:lstStyle>
-            <a:lvl1pPr marL="0" indent="0">
-              <a:buNone/>
-              <a:defRPr sz="2400" cap="all" spc="200" baseline="0">
-                <a:solidFill>
-                  <a:schemeClr val="tx2"/>
-                </a:solidFill>
-                <a:latin typeface="+mj-lt"/>
-              </a:defRPr>
-            </a:lvl1pPr>
-            <a:lvl2pPr marL="457203" indent="0">
-              <a:buNone/>
-              <a:defRPr sz="1800">
-                <a:solidFill>
-                  <a:schemeClr val="tx1">
-                    <a:tint val="75000"/>
-                  </a:schemeClr>
-                </a:solidFill>
-              </a:defRPr>
-            </a:lvl2pPr>
-            <a:lvl3pPr marL="914406" indent="0">
-              <a:buNone/>
-              <a:defRPr sz="1600">
-                <a:solidFill>
-                  <a:schemeClr val="tx1">
-                    <a:tint val="75000"/>
-                  </a:schemeClr>
-                </a:solidFill>
-              </a:defRPr>
-            </a:lvl3pPr>
-            <a:lvl4pPr marL="1371609" indent="0">
-              <a:buNone/>
-              <a:defRPr sz="1400">
-                <a:solidFill>
-                  <a:schemeClr val="tx1">
-                    <a:tint val="75000"/>
-                  </a:schemeClr>
-                </a:solidFill>
-              </a:defRPr>
-            </a:lvl4pPr>
-            <a:lvl5pPr marL="1828812" indent="0">
-              <a:buNone/>
-              <a:defRPr sz="1400">
-                <a:solidFill>
-                  <a:schemeClr val="tx1">
-                    <a:tint val="75000"/>
-                  </a:schemeClr>
-                </a:solidFill>
-              </a:defRPr>
-            </a:lvl5pPr>
-            <a:lvl6pPr marL="2286015" indent="0">
-              <a:buNone/>
-              <a:defRPr sz="1400">
-                <a:solidFill>
-                  <a:schemeClr val="tx1">
-                    <a:tint val="75000"/>
-                  </a:schemeClr>
-                </a:solidFill>
-              </a:defRPr>
-            </a:lvl6pPr>
-            <a:lvl7pPr marL="2743218" indent="0">
-              <a:buNone/>
-              <a:defRPr sz="1400">
-                <a:solidFill>
-                  <a:schemeClr val="tx1">
-                    <a:tint val="75000"/>
-                  </a:schemeClr>
-                </a:solidFill>
-              </a:defRPr>
-            </a:lvl7pPr>
-            <a:lvl8pPr marL="3200421" indent="0">
-              <a:buNone/>
-              <a:defRPr sz="1400">
-                <a:solidFill>
-                  <a:schemeClr val="tx1">
-                    <a:tint val="75000"/>
-                  </a:schemeClr>
-                </a:solidFill>
-              </a:defRPr>
-            </a:lvl8pPr>
-            <a:lvl9pPr marL="3657624" indent="0">
-              <a:buNone/>
-              <a:defRPr sz="1400">
-                <a:solidFill>
-                  <a:schemeClr val="tx1">
-                    <a:tint val="75000"/>
-                  </a:schemeClr>
-                </a:solidFill>
-              </a:defRPr>
-            </a:lvl9pPr>
-          </a:lstStyle>
-          <a:p>
-            <a:pPr lvl="0"/>
-            <a:r>
-              <a:rPr lang="ru-RU" smtClean="0"/>
-              <a:t>Образец текста</a:t>
-            </a:r>
-          </a:p>
-        </p:txBody>
-      </p:sp>
-      <p:sp>
-        <p:nvSpPr>
-          <p:cNvPr id="4" name="Date Placeholder 3"/>
-          <p:cNvSpPr>
-            <a:spLocks noGrp="1"/>
-          </p:cNvSpPr>
-          <p:nvPr>
-            <p:ph type="dt" sz="half" idx="10"/>
-          </p:nvPr>
-        </p:nvSpPr>
-        <p:spPr/>
-        <p:txBody>
-          <a:bodyPr/>
-          <a:lstStyle/>
-          <a:p>
-            <a:fld id="{48CBDAC1-A440-4B65-86BA-A674DA6DC16A}" type="datetime1">
-              <a:rPr lang="ru-RU" smtClean="0"/>
-              <a:t>01.06.2017</a:t>
-            </a:fld>
-            <a:endParaRPr lang="ru-RU"/>
-          </a:p>
-        </p:txBody>
-      </p:sp>
-      <p:sp>
-        <p:nvSpPr>
-          <p:cNvPr id="5" name="Footer Placeholder 4"/>
-          <p:cNvSpPr>
-            <a:spLocks noGrp="1"/>
-          </p:cNvSpPr>
-          <p:nvPr>
-            <p:ph type="ftr" sz="quarter" idx="11"/>
-          </p:nvPr>
-        </p:nvSpPr>
-        <p:spPr/>
-        <p:txBody>
-          <a:bodyPr/>
-          <a:lstStyle/>
-          <a:p>
-            <a:r>
-              <a:rPr lang="ru-RU" smtClean="0"/>
-              <a:t>Кафедра 24. "Компьютерный практикум по прикладной ядерной физике: Geant4"</a:t>
-            </a:r>
-            <a:endParaRPr lang="ru-RU"/>
-          </a:p>
-        </p:txBody>
-      </p:sp>
-      <p:sp>
-        <p:nvSpPr>
-          <p:cNvPr id="6" name="Slide Number Placeholder 5"/>
-          <p:cNvSpPr>
-            <a:spLocks noGrp="1"/>
-          </p:cNvSpPr>
-          <p:nvPr>
-            <p:ph type="sldNum" sz="quarter" idx="12"/>
-          </p:nvPr>
-        </p:nvSpPr>
-        <p:spPr/>
-        <p:txBody>
-          <a:bodyPr/>
-          <a:lstStyle/>
-          <a:p>
-            <a:fld id="{674EE669-D11C-4069-A284-7FF13B82A48E}" type="slidenum">
-              <a:rPr lang="ru-RU" smtClean="0"/>
-              <a:t>‹#›</a:t>
-            </a:fld>
-            <a:endParaRPr lang="ru-RU"/>
-          </a:p>
-        </p:txBody>
-      </p:sp>
-      <p:cxnSp>
-        <p:nvCxnSpPr>
-          <p:cNvPr id="9" name="Straight Connector 8"/>
-          <p:cNvCxnSpPr/>
-          <p:nvPr/>
-        </p:nvCxnSpPr>
-        <p:spPr>
-          <a:xfrm>
-            <a:off x="1207659" y="4343400"/>
-            <a:ext cx="9875520" cy="0"/>
-          </a:xfrm>
-          <a:prstGeom prst="line">
-            <a:avLst/>
-          </a:prstGeom>
-          <a:ln w="6350">
-            <a:solidFill>
-              <a:schemeClr val="tx1">
-                <a:lumMod val="50000"/>
-                <a:lumOff val="50000"/>
-              </a:schemeClr>
-            </a:solidFill>
-          </a:ln>
-        </p:spPr>
-        <p:style>
-          <a:lnRef idx="1">
-            <a:schemeClr val="accent1"/>
-          </a:lnRef>
-          <a:fillRef idx="0">
-            <a:schemeClr val="accent1"/>
-          </a:fillRef>
-          <a:effectRef idx="0">
-            <a:schemeClr val="accent1"/>
-          </a:effectRef>
-          <a:fontRef idx="minor">
-            <a:schemeClr val="tx1"/>
-          </a:fontRef>
-        </p:style>
-      </p:cxnSp>
-    </p:spTree>
-    <p:extLst>
-      <p:ext uri="{BB962C8B-B14F-4D97-AF65-F5344CB8AC3E}">
-        <p14:creationId xmlns:p14="http://schemas.microsoft.com/office/powerpoint/2010/main" val="154285392"/>
+        <p14:creationId xmlns:p14="http://schemas.microsoft.com/office/powerpoint/2010/main" val="1307756763"/>
       </p:ext>
     </p:extLst>
   </p:cSld>
@@ -5634,7 +5640,7 @@
           <a:p>
             <a:fld id="{5CD7E8B1-4958-4B4E-B7ED-2DA43FE30F25}" type="datetime1">
               <a:rPr lang="ru-RU" smtClean="0"/>
-              <a:t>01.06.2017</a:t>
+              <a:t>21.07.2017</a:t>
             </a:fld>
             <a:endParaRPr lang="ru-RU"/>
           </a:p>
@@ -5689,7 +5695,7 @@
     </p:spTree>
     <p:extLst>
       <p:ext uri="{BB962C8B-B14F-4D97-AF65-F5344CB8AC3E}">
-        <p14:creationId xmlns:p14="http://schemas.microsoft.com/office/powerpoint/2010/main" val="3695344828"/>
+        <p14:creationId xmlns:p14="http://schemas.microsoft.com/office/powerpoint/2010/main" val="4191331982"/>
       </p:ext>
     </p:extLst>
   </p:cSld>
@@ -6017,7 +6023,7 @@
           <a:p>
             <a:fld id="{17D222FA-1291-46FC-A64D-9021D6B9337E}" type="datetime1">
               <a:rPr lang="ru-RU" smtClean="0"/>
-              <a:t>01.06.2017</a:t>
+              <a:t>21.07.2017</a:t>
             </a:fld>
             <a:endParaRPr lang="ru-RU"/>
           </a:p>
@@ -6072,7 +6078,7 @@
     </p:spTree>
     <p:extLst>
       <p:ext uri="{BB962C8B-B14F-4D97-AF65-F5344CB8AC3E}">
-        <p14:creationId xmlns:p14="http://schemas.microsoft.com/office/powerpoint/2010/main" val="4204445939"/>
+        <p14:creationId xmlns:p14="http://schemas.microsoft.com/office/powerpoint/2010/main" val="2598372592"/>
       </p:ext>
     </p:extLst>
   </p:cSld>
@@ -6099,32 +6105,6 @@
           <a:chExt cx="0" cy="0"/>
         </a:xfrm>
       </p:grpSpPr>
-      <p:pic>
-        <p:nvPicPr>
-          <p:cNvPr id="6" name="Рисунок 5"/>
-          <p:cNvPicPr>
-            <a:picLocks noChangeAspect="1"/>
-          </p:cNvPicPr>
-          <p:nvPr/>
-        </p:nvPicPr>
-        <p:blipFill>
-          <a:blip r:embed="rId2">
-            <a:lum bright="70000" contrast="-70000"/>
-          </a:blip>
-          <a:stretch>
-            <a:fillRect/>
-          </a:stretch>
-        </p:blipFill>
-        <p:spPr>
-          <a:xfrm>
-            <a:off x="8639175" y="142875"/>
-            <a:ext cx="3413506" cy="3390900"/>
-          </a:xfrm>
-          <a:prstGeom prst="rect">
-            <a:avLst/>
-          </a:prstGeom>
-        </p:spPr>
-      </p:pic>
       <p:sp>
         <p:nvSpPr>
           <p:cNvPr id="2" name="Title 1"/>
@@ -6165,7 +6145,7 @@
           <a:p>
             <a:fld id="{BB6D5FA1-41B2-4288-8DBB-69A4C65D21A8}" type="datetime1">
               <a:rPr lang="ru-RU" smtClean="0"/>
-              <a:t>01.06.2017</a:t>
+              <a:t>21.07.2017</a:t>
             </a:fld>
             <a:endParaRPr lang="ru-RU"/>
           </a:p>
@@ -6250,7 +6230,7 @@
     </p:spTree>
     <p:extLst>
       <p:ext uri="{BB962C8B-B14F-4D97-AF65-F5344CB8AC3E}">
-        <p14:creationId xmlns:p14="http://schemas.microsoft.com/office/powerpoint/2010/main" val="1571841737"/>
+        <p14:creationId xmlns:p14="http://schemas.microsoft.com/office/powerpoint/2010/main" val="2262500587"/>
       </p:ext>
     </p:extLst>
   </p:cSld>
@@ -6370,7 +6350,7 @@
           <a:p>
             <a:fld id="{9048E171-ECD6-4470-B9DE-5C907DD4FA9A}" type="datetime1">
               <a:rPr lang="ru-RU" smtClean="0"/>
-              <a:t>01.06.2017</a:t>
+              <a:t>21.07.2017</a:t>
             </a:fld>
             <a:endParaRPr lang="ru-RU"/>
           </a:p>
@@ -6432,15 +6412,19 @@
       </p:sp>
       <p:pic>
         <p:nvPicPr>
-          <p:cNvPr id="10" name="Рисунок 9"/>
+          <p:cNvPr id="4" name="Рисунок 3"/>
           <p:cNvPicPr>
             <a:picLocks noChangeAspect="1"/>
           </p:cNvPicPr>
           <p:nvPr/>
         </p:nvPicPr>
         <p:blipFill>
-          <a:blip r:embed="rId2">
-            <a:lum bright="70000" contrast="-70000"/>
+          <a:blip r:embed="rId2" cstate="print">
+            <a:extLst>
+              <a:ext uri="{28A0092B-C50C-407E-A947-70E740481C1C}">
+                <a14:useLocalDpi xmlns:a14="http://schemas.microsoft.com/office/drawing/2010/main" val="0"/>
+              </a:ext>
+            </a:extLst>
           </a:blip>
           <a:stretch>
             <a:fillRect/>
@@ -6448,8 +6432,8 @@
         </p:blipFill>
         <p:spPr>
           <a:xfrm>
-            <a:off x="8639175" y="142875"/>
-            <a:ext cx="3413506" cy="3390900"/>
+            <a:off x="9594989" y="0"/>
+            <a:ext cx="2593853" cy="2642621"/>
           </a:xfrm>
           <a:prstGeom prst="rect">
             <a:avLst/>
@@ -6459,7 +6443,7 @@
     </p:spTree>
     <p:extLst>
       <p:ext uri="{BB962C8B-B14F-4D97-AF65-F5344CB8AC3E}">
-        <p14:creationId xmlns:p14="http://schemas.microsoft.com/office/powerpoint/2010/main" val="3488721775"/>
+        <p14:creationId xmlns:p14="http://schemas.microsoft.com/office/powerpoint/2010/main" val="581460175"/>
       </p:ext>
     </p:extLst>
   </p:cSld>
@@ -6754,7 +6738,7 @@
           <a:p>
             <a:fld id="{114E7383-D043-441F-84A0-A6B69C25EC0E}" type="datetime1">
               <a:rPr lang="ru-RU" smtClean="0"/>
-              <a:t>01.06.2017</a:t>
+              <a:t>21.07.2017</a:t>
             </a:fld>
             <a:endParaRPr lang="ru-RU"/>
           </a:p>
@@ -6830,7 +6814,7 @@
     </p:spTree>
     <p:extLst>
       <p:ext uri="{BB962C8B-B14F-4D97-AF65-F5344CB8AC3E}">
-        <p14:creationId xmlns:p14="http://schemas.microsoft.com/office/powerpoint/2010/main" val="3227978171"/>
+        <p14:creationId xmlns:p14="http://schemas.microsoft.com/office/powerpoint/2010/main" val="2702551402"/>
       </p:ext>
     </p:extLst>
   </p:cSld>
@@ -7135,7 +7119,7 @@
           <a:p>
             <a:fld id="{4EEA10BA-C627-4EAD-BED8-70A84C781955}" type="datetime1">
               <a:rPr lang="ru-RU" smtClean="0"/>
-              <a:t>01.06.2017</a:t>
+              <a:t>21.07.2017</a:t>
             </a:fld>
             <a:endParaRPr lang="ru-RU"/>
           </a:p>
@@ -7190,7 +7174,7 @@
     </p:spTree>
     <p:extLst>
       <p:ext uri="{BB962C8B-B14F-4D97-AF65-F5344CB8AC3E}">
-        <p14:creationId xmlns:p14="http://schemas.microsoft.com/office/powerpoint/2010/main" val="3886291592"/>
+        <p14:creationId xmlns:p14="http://schemas.microsoft.com/office/powerpoint/2010/main" val="2409295797"/>
       </p:ext>
     </p:extLst>
   </p:cSld>
@@ -7222,32 +7206,6 @@
           <a:chExt cx="0" cy="0"/>
         </a:xfrm>
       </p:grpSpPr>
-      <p:pic>
-        <p:nvPicPr>
-          <p:cNvPr id="11" name="Рисунок 10"/>
-          <p:cNvPicPr>
-            <a:picLocks noChangeAspect="1"/>
-          </p:cNvPicPr>
-          <p:nvPr/>
-        </p:nvPicPr>
-        <p:blipFill>
-          <a:blip r:embed="rId14">
-            <a:lum bright="70000" contrast="-70000"/>
-          </a:blip>
-          <a:stretch>
-            <a:fillRect/>
-          </a:stretch>
-        </p:blipFill>
-        <p:spPr>
-          <a:xfrm>
-            <a:off x="10556472" y="54186"/>
-            <a:ext cx="1585303" cy="1574804"/>
-          </a:xfrm>
-          <a:prstGeom prst="rect">
-            <a:avLst/>
-          </a:prstGeom>
-        </p:spPr>
-      </p:pic>
       <p:cxnSp>
         <p:nvCxnSpPr>
           <p:cNvPr id="12" name="Прямая соединительная линия 11"/>
@@ -7482,7 +7440,7 @@
           <a:p>
             <a:fld id="{E8E9CD04-8E7A-46B9-BAB7-D14FB2D1E2D6}" type="datetime1">
               <a:rPr lang="ru-RU" smtClean="0"/>
-              <a:t>01.06.2017</a:t>
+              <a:t>21.07.2017</a:t>
             </a:fld>
             <a:endParaRPr lang="ru-RU"/>
           </a:p>
@@ -7604,27 +7562,57 @@
           </a:fontRef>
         </p:style>
       </p:cxnSp>
+      <p:pic>
+        <p:nvPicPr>
+          <p:cNvPr id="16" name="Рисунок 15"/>
+          <p:cNvPicPr>
+            <a:picLocks noChangeAspect="1"/>
+          </p:cNvPicPr>
+          <p:nvPr/>
+        </p:nvPicPr>
+        <p:blipFill>
+          <a:blip r:embed="rId14" cstate="print">
+            <a:extLst>
+              <a:ext uri="{28A0092B-C50C-407E-A947-70E740481C1C}">
+                <a14:useLocalDpi xmlns:a14="http://schemas.microsoft.com/office/drawing/2010/main" val="0"/>
+              </a:ext>
+            </a:extLst>
+          </a:blip>
+          <a:stretch>
+            <a:fillRect/>
+          </a:stretch>
+        </p:blipFill>
+        <p:spPr>
+          <a:xfrm>
+            <a:off x="10340064" y="-165977"/>
+            <a:ext cx="2079399" cy="2118495"/>
+          </a:xfrm>
+          <a:prstGeom prst="rect">
+            <a:avLst/>
+          </a:prstGeom>
+        </p:spPr>
+      </p:pic>
     </p:spTree>
     <p:extLst>
       <p:ext uri="{BB962C8B-B14F-4D97-AF65-F5344CB8AC3E}">
-        <p14:creationId xmlns:p14="http://schemas.microsoft.com/office/powerpoint/2010/main" val="31846082"/>
+        <p14:creationId xmlns:p14="http://schemas.microsoft.com/office/powerpoint/2010/main" val="3494466573"/>
       </p:ext>
     </p:extLst>
   </p:cSld>
   <p:clrMap bg1="lt1" tx1="dk1" bg2="lt2" tx2="dk2" accent1="accent1" accent2="accent2" accent3="accent3" accent4="accent4" accent5="accent5" accent6="accent6" hlink="hlink" folHlink="folHlink"/>
   <p:sldLayoutIdLst>
-    <p:sldLayoutId id="2147483674" r:id="rId1"/>
-    <p:sldLayoutId id="2147483675" r:id="rId2"/>
-    <p:sldLayoutId id="2147483676" r:id="rId3"/>
-    <p:sldLayoutId id="2147483677" r:id="rId4"/>
-    <p:sldLayoutId id="2147483678" r:id="rId5"/>
-    <p:sldLayoutId id="2147483679" r:id="rId6"/>
-    <p:sldLayoutId id="2147483680" r:id="rId7"/>
-    <p:sldLayoutId id="2147483681" r:id="rId8"/>
-    <p:sldLayoutId id="2147483682" r:id="rId9"/>
-    <p:sldLayoutId id="2147483683" r:id="rId10"/>
-    <p:sldLayoutId id="2147483684" r:id="rId11"/>
-    <p:sldLayoutId id="2147483685" r:id="rId12"/>
+    <p:sldLayoutId id="2147483687" r:id="rId1"/>
+    <p:sldLayoutId id="2147483688" r:id="rId2"/>
+    <p:sldLayoutId id="2147483689" r:id="rId3"/>
+    <p:sldLayoutId id="2147483690" r:id="rId4"/>
+    <p:sldLayoutId id="2147483691" r:id="rId5"/>
+    <p:sldLayoutId id="2147483692" r:id="rId6"/>
+    <p:sldLayoutId id="2147483693" r:id="rId7"/>
+    <p:sldLayoutId id="2147483694" r:id="rId8"/>
+    <p:sldLayoutId id="2147483695" r:id="rId9"/>
+    <p:sldLayoutId id="2147483696" r:id="rId10"/>
+    <p:sldLayoutId id="2147483697" r:id="rId11"/>
+    <p:sldLayoutId id="2147483698" r:id="rId12"/>
   </p:sldLayoutIdLst>
   <p:hf hdr="0" dt="0"/>
   <p:txStyles>
@@ -19447,7 +19435,7 @@
 </file>
 
 <file path=ppt/theme/theme1.xml><?xml version="1.0" encoding="utf-8"?>
-<a:theme xmlns:a="http://schemas.openxmlformats.org/drawingml/2006/main" name="Тема2">
+<a:theme xmlns:a="http://schemas.openxmlformats.org/drawingml/2006/main" name="Тема1">
   <a:themeElements>
     <a:clrScheme name="Зеленый и желтый">
       <a:dk1>
@@ -19723,7 +19711,7 @@
   <a:extraClrSchemeLst/>
   <a:extLst>
     <a:ext uri="{05A4C25C-085E-4340-85A3-A5531E510DB2}">
-      <thm15:themeFamily xmlns:thm15="http://schemas.microsoft.com/office/thememl/2012/main" name="Тема2" id="{F6853AF9-8BEF-47B7-BFEA-1EB0A7F5E420}" vid="{7B47C7A1-DDBD-44DB-B5FC-9345D842DEB1}"/>
+      <thm15:themeFamily xmlns:thm15="http://schemas.microsoft.com/office/thememl/2012/main" name="Тема1" id="{5BB4979D-64F3-4350-A0FB-77B4AA112ABA}" vid="{9ECF0165-2A38-4AFC-8A84-C27FBD5E703B}"/>
     </a:ext>
   </a:extLst>
 </a:theme>
